--- a/Paperwork/Guard AI.pptx
+++ b/Paperwork/Guard AI.pptx
@@ -5,7 +5,7 @@
     <p:sldMasterId id="2147483696" r:id="rId1"/>
   </p:sldMasterIdLst>
   <p:notesMasterIdLst>
-    <p:notesMasterId r:id="rId13"/>
+    <p:notesMasterId r:id="rId11"/>
   </p:notesMasterIdLst>
   <p:sldIdLst>
     <p:sldId id="256" r:id="rId2"/>
@@ -14,11 +14,9 @@
     <p:sldId id="259" r:id="rId5"/>
     <p:sldId id="262" r:id="rId6"/>
     <p:sldId id="263" r:id="rId7"/>
-    <p:sldId id="264" r:id="rId8"/>
-    <p:sldId id="265" r:id="rId9"/>
-    <p:sldId id="266" r:id="rId10"/>
-    <p:sldId id="261" r:id="rId11"/>
-    <p:sldId id="260" r:id="rId12"/>
+    <p:sldId id="267" r:id="rId8"/>
+    <p:sldId id="264" r:id="rId9"/>
+    <p:sldId id="265" r:id="rId10"/>
   </p:sldIdLst>
   <p:sldSz cx="9144000" cy="6858000" type="screen4x3"/>
   <p:notesSz cx="6858000" cy="9144000"/>
@@ -117,6 +115,22 @@
       </a:defRPr>
     </a:lvl9pPr>
   </p:defaultTextStyle>
+  <p:extLst>
+    <p:ext uri="{EFAFB233-063F-42B5-8137-9DF3F51BA10A}">
+      <p15:sldGuideLst xmlns:p15="http://schemas.microsoft.com/office/powerpoint/2012/main">
+        <p15:guide id="1" orient="horz" pos="2160">
+          <p15:clr>
+            <a:srgbClr val="A4A3A4"/>
+          </p15:clr>
+        </p15:guide>
+        <p15:guide id="2" pos="2880">
+          <p15:clr>
+            <a:srgbClr val="A4A3A4"/>
+          </p15:clr>
+        </p15:guide>
+      </p15:sldGuideLst>
+    </p:ext>
+  </p:extLst>
 </p:presentation>
 </file>
 
@@ -202,7 +216,7 @@
           <a:p>
             <a:fld id="{7E68AF7B-E5C1-46EF-9F89-49D130F0E9AC}" type="datetimeFigureOut">
               <a:rPr lang="en-GB" smtClean="0"/>
-              <a:t>25/02/2018</a:t>
+              <a:t>27/02/2018</a:t>
             </a:fld>
             <a:endParaRPr lang="en-GB"/>
           </a:p>
@@ -268,35 +282,35 @@
           <a:p>
             <a:pPr lvl="0"/>
             <a:r>
-              <a:rPr lang="en-US" smtClean="0"/>
+              <a:rPr lang="en-US"/>
               <a:t>Click to edit Master text styles</a:t>
             </a:r>
           </a:p>
           <a:p>
             <a:pPr lvl="1"/>
             <a:r>
-              <a:rPr lang="en-US" smtClean="0"/>
+              <a:rPr lang="en-US"/>
               <a:t>Second level</a:t>
             </a:r>
           </a:p>
           <a:p>
             <a:pPr lvl="2"/>
             <a:r>
-              <a:rPr lang="en-US" smtClean="0"/>
+              <a:rPr lang="en-US"/>
               <a:t>Third level</a:t>
             </a:r>
           </a:p>
           <a:p>
             <a:pPr lvl="3"/>
             <a:r>
-              <a:rPr lang="en-US" smtClean="0"/>
+              <a:rPr lang="en-US"/>
               <a:t>Fourth level</a:t>
             </a:r>
           </a:p>
           <a:p>
             <a:pPr lvl="4"/>
             <a:r>
-              <a:rPr lang="en-US" smtClean="0"/>
+              <a:rPr lang="en-US"/>
               <a:t>Fifth level</a:t>
             </a:r>
             <a:endParaRPr lang="en-GB"/>
@@ -508,125 +522,27 @@
         </p:nvSpPr>
         <p:spPr/>
         <p:txBody>
-          <a:bodyPr>
-            <a:normAutofit lnSpcReduction="10000"/>
-          </a:bodyPr>
-          <a:lstStyle/>
-          <a:p>
-            <a:r>
-              <a:rPr lang="en-GB" dirty="0" smtClean="0"/>
-              <a:t>Unity: The decision to move away from </a:t>
-            </a:r>
-            <a:r>
-              <a:rPr lang="en-GB" dirty="0" err="1" smtClean="0"/>
+          <a:bodyPr/>
+          <a:lstStyle/>
+          <a:p>
+            <a:r>
+              <a:rPr lang="en-GB" dirty="0"/>
+              <a:t>The original plan was to create this in 2D using </a:t>
+            </a:r>
+            <a:r>
+              <a:rPr lang="en-GB" dirty="0" err="1"/>
               <a:t>Oxygine</a:t>
             </a:r>
             <a:r>
-              <a:rPr lang="en-GB" dirty="0" smtClean="0"/>
-              <a:t> was made fairly</a:t>
-            </a:r>
-            <a:r>
-              <a:rPr lang="en-GB" baseline="0" dirty="0" smtClean="0"/>
-              <a:t> early on, after I had spent approximately 4 weeks trying, and failing, to set </a:t>
-            </a:r>
-            <a:r>
-              <a:rPr lang="en-GB" baseline="0" dirty="0" err="1" smtClean="0"/>
-              <a:t>Oxygine</a:t>
-            </a:r>
-            <a:r>
-              <a:rPr lang="en-GB" baseline="0" dirty="0" smtClean="0"/>
-              <a:t> up, I realised that spending more time with it would be counter-productive, as even if I could make it work, I would still need to learn its intricacies. Unity was a game engine I knew, and it removed a significant learning curve from this project.</a:t>
-            </a:r>
-            <a:endParaRPr lang="en-GB" dirty="0" smtClean="0"/>
-          </a:p>
-          <a:p>
-            <a:endParaRPr lang="en-GB" dirty="0" smtClean="0"/>
-          </a:p>
-          <a:p>
-            <a:r>
-              <a:rPr lang="en-GB" dirty="0" smtClean="0"/>
-              <a:t>3d: The decision to move to 3D has a number of bonuses,</a:t>
-            </a:r>
-            <a:r>
-              <a:rPr lang="en-GB" baseline="0" dirty="0" smtClean="0"/>
-              <a:t> but the primary reason for changing it was for the </a:t>
-            </a:r>
-            <a:r>
-              <a:rPr lang="en-GB" baseline="0" dirty="0" err="1" smtClean="0"/>
-              <a:t>pathfinding</a:t>
-            </a:r>
-            <a:r>
-              <a:rPr lang="en-GB" baseline="0" dirty="0" smtClean="0"/>
-              <a:t>. After a conversation with Chris, he suggested that I remove some of the sub-systems (that were fairly significant) in order to focus on the core of my project, the AI. </a:t>
-            </a:r>
-          </a:p>
-          <a:p>
-            <a:endParaRPr lang="en-GB" baseline="0" dirty="0" smtClean="0"/>
-          </a:p>
-          <a:p>
-            <a:r>
-              <a:rPr lang="en-GB" baseline="0" dirty="0" smtClean="0"/>
-              <a:t>Behaviour tree: The behaviour tree is the core of this assignment and is therefore what I will focus on before I start anything else.</a:t>
-            </a:r>
-            <a:endParaRPr lang="en-GB" baseline="0" dirty="0" smtClean="0"/>
-          </a:p>
-          <a:p>
-            <a:endParaRPr lang="en-GB" baseline="0" dirty="0" smtClean="0"/>
-          </a:p>
-          <a:p>
-            <a:r>
-              <a:rPr lang="en-GB" baseline="0" dirty="0" err="1" smtClean="0"/>
-              <a:t>Pathfinding</a:t>
-            </a:r>
-            <a:r>
-              <a:rPr lang="en-GB" baseline="0" dirty="0" smtClean="0"/>
-              <a:t>: Unity </a:t>
-            </a:r>
-            <a:r>
-              <a:rPr lang="en-GB" baseline="0" dirty="0" err="1" smtClean="0"/>
-              <a:t>navmesh</a:t>
-            </a:r>
-            <a:r>
-              <a:rPr lang="en-GB" baseline="0" dirty="0" smtClean="0"/>
-              <a:t> provides a solution to the problem of </a:t>
-            </a:r>
-            <a:r>
-              <a:rPr lang="en-GB" baseline="0" dirty="0" err="1" smtClean="0"/>
-              <a:t>pathfinding</a:t>
-            </a:r>
-            <a:r>
-              <a:rPr lang="en-GB" baseline="0" dirty="0" smtClean="0"/>
-              <a:t>, as well as offering 3D and multi-level levels. This makes my project a lot more versatile, as typically (though not universally) systems like this would be used in 3D games and would be a lot more useful to potential employers.</a:t>
-            </a:r>
-          </a:p>
-          <a:p>
-            <a:endParaRPr lang="en-GB" baseline="0" dirty="0" smtClean="0"/>
-          </a:p>
-          <a:p>
-            <a:r>
-              <a:rPr lang="en-GB" baseline="0" dirty="0" err="1" smtClean="0"/>
-              <a:t>Viewcones</a:t>
-            </a:r>
-            <a:r>
-              <a:rPr lang="en-GB" baseline="0" dirty="0" smtClean="0"/>
-              <a:t>: I have become very interested in the sight and detection systems used for a stealth AI, more so after watching a GDC talk on how it was handled in </a:t>
-            </a:r>
-            <a:r>
-              <a:rPr lang="en-GB" baseline="0" dirty="0" err="1" smtClean="0"/>
-              <a:t>Spliter</a:t>
-            </a:r>
-            <a:r>
-              <a:rPr lang="en-GB" baseline="0" dirty="0" smtClean="0"/>
-              <a:t> </a:t>
-            </a:r>
-            <a:r>
-              <a:rPr lang="en-GB" baseline="0" dirty="0" err="1" smtClean="0"/>
-              <a:t>Cell:Blacklist</a:t>
-            </a:r>
-            <a:r>
-              <a:rPr lang="en-GB" baseline="0" dirty="0" smtClean="0"/>
-              <a:t>. I will likely make this a significant part of my project, after completing my behaviour tree, though that is very much a stretch goal</a:t>
-            </a:r>
+              <a:rPr lang="en-GB" dirty="0"/>
+              <a:t>, which is a C++ game engine. I was also planning to create multiple supporting systems my project would need.</a:t>
+            </a:r>
+          </a:p>
+          <a:p>
+            <a:endParaRPr lang="en-GB" dirty="0"/>
+          </a:p>
+          <a:p>
+            <a:endParaRPr lang="en-GB" dirty="0"/>
           </a:p>
         </p:txBody>
       </p:sp>
@@ -647,13 +563,18 @@
           <a:p>
             <a:fld id="{ED619BB4-C02E-4ABE-9053-4D57715E5B53}" type="slidenum">
               <a:rPr lang="en-GB" smtClean="0"/>
-              <a:t>3</a:t>
+              <a:t>2</a:t>
             </a:fld>
             <a:endParaRPr lang="en-GB"/>
           </a:p>
         </p:txBody>
       </p:sp>
     </p:spTree>
+    <p:extLst>
+      <p:ext uri="{BB962C8B-B14F-4D97-AF65-F5344CB8AC3E}">
+        <p14:creationId xmlns:p14="http://schemas.microsoft.com/office/powerpoint/2010/main" val="4271873215"/>
+      </p:ext>
+    </p:extLst>
   </p:cSld>
   <p:clrMapOvr>
     <a:masterClrMapping/>
@@ -703,11 +624,302 @@
         <p:spPr/>
         <p:txBody>
           <a:bodyPr>
+            <a:normAutofit lnSpcReduction="10000"/>
+          </a:bodyPr>
+          <a:lstStyle/>
+          <a:p>
+            <a:r>
+              <a:rPr lang="en-GB" dirty="0"/>
+              <a:t>Unity: The decision to move away from </a:t>
+            </a:r>
+            <a:r>
+              <a:rPr lang="en-GB" dirty="0" err="1"/>
+              <a:t>Oxygine</a:t>
+            </a:r>
+            <a:r>
+              <a:rPr lang="en-GB" dirty="0"/>
+              <a:t> was made fairly</a:t>
+            </a:r>
+            <a:r>
+              <a:rPr lang="en-GB" baseline="0" dirty="0"/>
+              <a:t> early on, after I had spent approximately 4 weeks trying, and failing, to set </a:t>
+            </a:r>
+            <a:r>
+              <a:rPr lang="en-GB" baseline="0" dirty="0" err="1"/>
+              <a:t>Oxygine</a:t>
+            </a:r>
+            <a:r>
+              <a:rPr lang="en-GB" baseline="0" dirty="0"/>
+              <a:t> up, I realised that spending more time with it would be counter-productive, as even if I could make it work, I would still need to learn its intricacies. Unity was a game engine I knew, and it removed a significant learning curve from this project.</a:t>
+            </a:r>
+            <a:endParaRPr lang="en-GB" dirty="0"/>
+          </a:p>
+          <a:p>
+            <a:endParaRPr lang="en-GB" dirty="0"/>
+          </a:p>
+          <a:p>
+            <a:r>
+              <a:rPr lang="en-GB" dirty="0"/>
+              <a:t>3d: The decision to move to 3D has a number of bonuses,</a:t>
+            </a:r>
+            <a:r>
+              <a:rPr lang="en-GB" baseline="0" dirty="0"/>
+              <a:t> but the primary reason for changing it was for the </a:t>
+            </a:r>
+            <a:r>
+              <a:rPr lang="en-GB" baseline="0" dirty="0" err="1"/>
+              <a:t>pathfinding</a:t>
+            </a:r>
+            <a:r>
+              <a:rPr lang="en-GB" baseline="0" dirty="0"/>
+              <a:t>. After a conversation with Chris, he suggested that I remove some of the sub-systems (that were fairly significant) in order to focus on the core of my project, the AI. In addition, it makes my project a lot more portable and useful, since any 3D Unity game that uses the </a:t>
+            </a:r>
+            <a:r>
+              <a:rPr lang="en-GB" baseline="0" dirty="0" err="1"/>
+              <a:t>Navmesh</a:t>
+            </a:r>
+            <a:r>
+              <a:rPr lang="en-GB" baseline="0" dirty="0"/>
+              <a:t> could use it.</a:t>
+            </a:r>
+          </a:p>
+          <a:p>
+            <a:endParaRPr lang="en-GB" baseline="0" dirty="0"/>
+          </a:p>
+          <a:p>
+            <a:r>
+              <a:rPr lang="en-GB" baseline="0" dirty="0"/>
+              <a:t>Behaviour tree: The behaviour tree is the core of this assignment and is therefore what I will focus on before I start anything else.</a:t>
+            </a:r>
+          </a:p>
+          <a:p>
+            <a:endParaRPr lang="en-GB" baseline="0" dirty="0"/>
+          </a:p>
+          <a:p>
+            <a:r>
+              <a:rPr lang="en-GB" baseline="0" dirty="0" err="1"/>
+              <a:t>Pathfinding</a:t>
+            </a:r>
+            <a:r>
+              <a:rPr lang="en-GB" baseline="0" dirty="0"/>
+              <a:t>: Unity </a:t>
+            </a:r>
+            <a:r>
+              <a:rPr lang="en-GB" baseline="0" dirty="0" err="1"/>
+              <a:t>navmesh</a:t>
+            </a:r>
+            <a:r>
+              <a:rPr lang="en-GB" baseline="0" dirty="0"/>
+              <a:t> provides a solution to the problem of </a:t>
+            </a:r>
+            <a:r>
+              <a:rPr lang="en-GB" baseline="0" dirty="0" err="1"/>
+              <a:t>pathfinding</a:t>
+            </a:r>
+            <a:r>
+              <a:rPr lang="en-GB" baseline="0" dirty="0"/>
+              <a:t>, as well as offering 3D and multi-level levels. This makes my project a lot more versatile, as typically (though not universally) systems like this would be used in 3D games and would be a lot more useful to potential employers.</a:t>
+            </a:r>
+          </a:p>
+          <a:p>
+            <a:endParaRPr lang="en-GB" baseline="0" dirty="0"/>
+          </a:p>
+          <a:p>
+            <a:r>
+              <a:rPr lang="en-GB" baseline="0" dirty="0" err="1"/>
+              <a:t>Viewcones</a:t>
+            </a:r>
+            <a:r>
+              <a:rPr lang="en-GB" baseline="0" dirty="0"/>
+              <a:t>: I have become very interested in the sight and detection systems used for a stealth AI, more so after watching a GDC talk on how it was handled in </a:t>
+            </a:r>
+            <a:r>
+              <a:rPr lang="en-GB" baseline="0" dirty="0" err="1"/>
+              <a:t>Spliter</a:t>
+            </a:r>
+            <a:r>
+              <a:rPr lang="en-GB" baseline="0" dirty="0"/>
+              <a:t> </a:t>
+            </a:r>
+            <a:r>
+              <a:rPr lang="en-GB" baseline="0" dirty="0" err="1"/>
+              <a:t>Cell:Blacklist</a:t>
+            </a:r>
+            <a:r>
+              <a:rPr lang="en-GB" baseline="0" dirty="0"/>
+              <a:t>. I will need to add this system in, and unlike the previous subsystems, should be easy to implement.</a:t>
+            </a:r>
+          </a:p>
+        </p:txBody>
+      </p:sp>
+      <p:sp>
+        <p:nvSpPr>
+          <p:cNvPr id="4" name="Slide Number Placeholder 3"/>
+          <p:cNvSpPr>
+            <a:spLocks noGrp="1"/>
+          </p:cNvSpPr>
+          <p:nvPr>
+            <p:ph type="sldNum" sz="quarter" idx="10"/>
+          </p:nvPr>
+        </p:nvSpPr>
+        <p:spPr/>
+        <p:txBody>
+          <a:bodyPr/>
+          <a:lstStyle/>
+          <a:p>
+            <a:fld id="{ED619BB4-C02E-4ABE-9053-4D57715E5B53}" type="slidenum">
+              <a:rPr lang="en-GB" smtClean="0"/>
+              <a:t>3</a:t>
+            </a:fld>
+            <a:endParaRPr lang="en-GB"/>
+          </a:p>
+        </p:txBody>
+      </p:sp>
+    </p:spTree>
+  </p:cSld>
+  <p:clrMapOvr>
+    <a:masterClrMapping/>
+  </p:clrMapOvr>
+</p:notes>
+</file>
+
+<file path=ppt/notesSlides/notesSlide3.xml><?xml version="1.0" encoding="utf-8"?>
+<p:notes xmlns:a="http://schemas.openxmlformats.org/drawingml/2006/main" xmlns:r="http://schemas.openxmlformats.org/officeDocument/2006/relationships" xmlns:p="http://schemas.openxmlformats.org/presentationml/2006/main">
+  <p:cSld>
+    <p:spTree>
+      <p:nvGrpSpPr>
+        <p:cNvPr id="1" name=""/>
+        <p:cNvGrpSpPr/>
+        <p:nvPr/>
+      </p:nvGrpSpPr>
+      <p:grpSpPr>
+        <a:xfrm>
+          <a:off x="0" y="0"/>
+          <a:ext cx="0" cy="0"/>
+          <a:chOff x="0" y="0"/>
+          <a:chExt cx="0" cy="0"/>
+        </a:xfrm>
+      </p:grpSpPr>
+      <p:sp>
+        <p:nvSpPr>
+          <p:cNvPr id="2" name="Slide Image Placeholder 1"/>
+          <p:cNvSpPr>
+            <a:spLocks noGrp="1" noRot="1" noChangeAspect="1"/>
+          </p:cNvSpPr>
+          <p:nvPr>
+            <p:ph type="sldImg"/>
+          </p:nvPr>
+        </p:nvSpPr>
+        <p:spPr/>
+      </p:sp>
+      <p:sp>
+        <p:nvSpPr>
+          <p:cNvPr id="3" name="Notes Placeholder 2"/>
+          <p:cNvSpPr>
+            <a:spLocks noGrp="1"/>
+          </p:cNvSpPr>
+          <p:nvPr>
+            <p:ph type="body" idx="1"/>
+          </p:nvPr>
+        </p:nvSpPr>
+        <p:spPr/>
+        <p:txBody>
+          <a:bodyPr/>
+          <a:lstStyle/>
+          <a:p>
+            <a:r>
+              <a:rPr lang="en-GB" dirty="0"/>
+              <a:t>These are the nodes I currently have implemented, these are all structural and can be reused.</a:t>
+            </a:r>
+          </a:p>
+        </p:txBody>
+      </p:sp>
+      <p:sp>
+        <p:nvSpPr>
+          <p:cNvPr id="4" name="Slide Number Placeholder 3"/>
+          <p:cNvSpPr>
+            <a:spLocks noGrp="1"/>
+          </p:cNvSpPr>
+          <p:nvPr>
+            <p:ph type="sldNum" sz="quarter" idx="10"/>
+          </p:nvPr>
+        </p:nvSpPr>
+        <p:spPr/>
+        <p:txBody>
+          <a:bodyPr/>
+          <a:lstStyle/>
+          <a:p>
+            <a:fld id="{ED619BB4-C02E-4ABE-9053-4D57715E5B53}" type="slidenum">
+              <a:rPr lang="en-GB" smtClean="0"/>
+              <a:t>4</a:t>
+            </a:fld>
+            <a:endParaRPr lang="en-GB"/>
+          </a:p>
+        </p:txBody>
+      </p:sp>
+    </p:spTree>
+    <p:extLst>
+      <p:ext uri="{BB962C8B-B14F-4D97-AF65-F5344CB8AC3E}">
+        <p14:creationId xmlns:p14="http://schemas.microsoft.com/office/powerpoint/2010/main" val="1219770551"/>
+      </p:ext>
+    </p:extLst>
+  </p:cSld>
+  <p:clrMapOvr>
+    <a:masterClrMapping/>
+  </p:clrMapOvr>
+</p:notes>
+</file>
+
+<file path=ppt/notesSlides/notesSlide4.xml><?xml version="1.0" encoding="utf-8"?>
+<p:notes xmlns:a="http://schemas.openxmlformats.org/drawingml/2006/main" xmlns:r="http://schemas.openxmlformats.org/officeDocument/2006/relationships" xmlns:p="http://schemas.openxmlformats.org/presentationml/2006/main">
+  <p:cSld>
+    <p:spTree>
+      <p:nvGrpSpPr>
+        <p:cNvPr id="1" name=""/>
+        <p:cNvGrpSpPr/>
+        <p:nvPr/>
+      </p:nvGrpSpPr>
+      <p:grpSpPr>
+        <a:xfrm>
+          <a:off x="0" y="0"/>
+          <a:ext cx="0" cy="0"/>
+          <a:chOff x="0" y="0"/>
+          <a:chExt cx="0" cy="0"/>
+        </a:xfrm>
+      </p:grpSpPr>
+      <p:sp>
+        <p:nvSpPr>
+          <p:cNvPr id="2" name="Slide Image Placeholder 1"/>
+          <p:cNvSpPr>
+            <a:spLocks noGrp="1" noRot="1" noChangeAspect="1"/>
+          </p:cNvSpPr>
+          <p:nvPr>
+            <p:ph type="sldImg"/>
+          </p:nvPr>
+        </p:nvSpPr>
+        <p:spPr/>
+      </p:sp>
+      <p:sp>
+        <p:nvSpPr>
+          <p:cNvPr id="3" name="Notes Placeholder 2"/>
+          <p:cNvSpPr>
+            <a:spLocks noGrp="1"/>
+          </p:cNvSpPr>
+          <p:nvPr>
+            <p:ph type="body" idx="1"/>
+          </p:nvPr>
+        </p:nvSpPr>
+        <p:spPr/>
+        <p:txBody>
+          <a:bodyPr>
             <a:normAutofit/>
           </a:bodyPr>
           <a:lstStyle/>
           <a:p>
-            <a:endParaRPr lang="en-GB" dirty="0"/>
+            <a:r>
+              <a:rPr lang="en-GB" dirty="0"/>
+              <a:t>I have split up the sections my behaviour tree needs to have in order to create an interesting AI. You can see here that I have prioritised them, I will be working on the Player Spotted behaviour first, and then working my way down the list.</a:t>
+            </a:r>
           </a:p>
         </p:txBody>
       </p:sp>
@@ -735,6 +947,125 @@
         </p:txBody>
       </p:sp>
     </p:spTree>
+  </p:cSld>
+  <p:clrMapOvr>
+    <a:masterClrMapping/>
+  </p:clrMapOvr>
+</p:notes>
+</file>
+
+<file path=ppt/notesSlides/notesSlide5.xml><?xml version="1.0" encoding="utf-8"?>
+<p:notes xmlns:a="http://schemas.openxmlformats.org/drawingml/2006/main" xmlns:r="http://schemas.openxmlformats.org/officeDocument/2006/relationships" xmlns:p="http://schemas.openxmlformats.org/presentationml/2006/main">
+  <p:cSld>
+    <p:spTree>
+      <p:nvGrpSpPr>
+        <p:cNvPr id="1" name=""/>
+        <p:cNvGrpSpPr/>
+        <p:nvPr/>
+      </p:nvGrpSpPr>
+      <p:grpSpPr>
+        <a:xfrm>
+          <a:off x="0" y="0"/>
+          <a:ext cx="0" cy="0"/>
+          <a:chOff x="0" y="0"/>
+          <a:chExt cx="0" cy="0"/>
+        </a:xfrm>
+      </p:grpSpPr>
+      <p:sp>
+        <p:nvSpPr>
+          <p:cNvPr id="2" name="Slide Image Placeholder 1"/>
+          <p:cNvSpPr>
+            <a:spLocks noGrp="1" noRot="1" noChangeAspect="1"/>
+          </p:cNvSpPr>
+          <p:nvPr>
+            <p:ph type="sldImg"/>
+          </p:nvPr>
+        </p:nvSpPr>
+        <p:spPr/>
+      </p:sp>
+      <p:sp>
+        <p:nvSpPr>
+          <p:cNvPr id="3" name="Notes Placeholder 2"/>
+          <p:cNvSpPr>
+            <a:spLocks noGrp="1"/>
+          </p:cNvSpPr>
+          <p:nvPr>
+            <p:ph type="body" idx="1"/>
+          </p:nvPr>
+        </p:nvSpPr>
+        <p:spPr/>
+        <p:txBody>
+          <a:bodyPr/>
+          <a:lstStyle/>
+          <a:p>
+            <a:r>
+              <a:rPr lang="en-GB" dirty="0"/>
+              <a:t>Here you can see the changes I have made to my schedule.</a:t>
+            </a:r>
+          </a:p>
+          <a:p>
+            <a:r>
+              <a:rPr lang="en-GB" dirty="0"/>
+              <a:t>The rest of this week (and some of yesterday) will be spent building a basic level and getting a feel for how Unity’s </a:t>
+            </a:r>
+            <a:r>
+              <a:rPr lang="en-GB" dirty="0" err="1"/>
+              <a:t>navmesh</a:t>
+            </a:r>
+            <a:r>
+              <a:rPr lang="en-GB" dirty="0"/>
+              <a:t> works.</a:t>
+            </a:r>
+          </a:p>
+          <a:p>
+            <a:endParaRPr lang="en-GB" dirty="0"/>
+          </a:p>
+          <a:p>
+            <a:r>
+              <a:rPr lang="en-GB" dirty="0"/>
+              <a:t>After that I will work on building my behaviour tree and testing the nodes I already have.</a:t>
+            </a:r>
+          </a:p>
+          <a:p>
+            <a:endParaRPr lang="en-GB" dirty="0"/>
+          </a:p>
+          <a:p>
+            <a:r>
+              <a:rPr lang="en-GB" dirty="0"/>
+              <a:t>From there I will create the nodes you saw in the previous slides for each of those sub-trees and using the behaviour tree</a:t>
+            </a:r>
+          </a:p>
+        </p:txBody>
+      </p:sp>
+      <p:sp>
+        <p:nvSpPr>
+          <p:cNvPr id="4" name="Slide Number Placeholder 3"/>
+          <p:cNvSpPr>
+            <a:spLocks noGrp="1"/>
+          </p:cNvSpPr>
+          <p:nvPr>
+            <p:ph type="sldNum" sz="quarter" idx="10"/>
+          </p:nvPr>
+        </p:nvSpPr>
+        <p:spPr/>
+        <p:txBody>
+          <a:bodyPr/>
+          <a:lstStyle/>
+          <a:p>
+            <a:fld id="{ED619BB4-C02E-4ABE-9053-4D57715E5B53}" type="slidenum">
+              <a:rPr lang="en-GB" smtClean="0"/>
+              <a:t>8</a:t>
+            </a:fld>
+            <a:endParaRPr lang="en-GB"/>
+          </a:p>
+        </p:txBody>
+      </p:sp>
+    </p:spTree>
+    <p:extLst>
+      <p:ext uri="{BB962C8B-B14F-4D97-AF65-F5344CB8AC3E}">
+        <p14:creationId xmlns:p14="http://schemas.microsoft.com/office/powerpoint/2010/main" val="1065812620"/>
+      </p:ext>
+    </p:extLst>
   </p:cSld>
   <p:clrMapOvr>
     <a:masterClrMapping/>
@@ -998,10 +1329,9 @@
           </a:lstStyle>
           <a:p>
             <a:r>
-              <a:rPr kumimoji="0" lang="en-US" smtClean="0"/>
+              <a:rPr kumimoji="0" lang="en-US"/>
               <a:t>Click to edit Master subtitle style</a:t>
             </a:r>
-            <a:endParaRPr kumimoji="0" lang="en-US"/>
           </a:p>
         </p:txBody>
       </p:sp>
@@ -1022,7 +1352,7 @@
           <a:p>
             <a:fld id="{206CDDE3-3F38-4A2B-A2E9-649C1885500D}" type="datetimeFigureOut">
               <a:rPr lang="en-GB" smtClean="0"/>
-              <a:t>25/02/2018</a:t>
+              <a:t>27/02/2018</a:t>
             </a:fld>
             <a:endParaRPr lang="en-GB"/>
           </a:p>
@@ -1286,10 +1616,9 @@
           </a:lstStyle>
           <a:p>
             <a:r>
-              <a:rPr kumimoji="0" lang="en-US" smtClean="0"/>
+              <a:rPr kumimoji="0" lang="en-US"/>
               <a:t>Click to edit Master title style</a:t>
             </a:r>
-            <a:endParaRPr kumimoji="0" lang="en-US"/>
           </a:p>
         </p:txBody>
       </p:sp>
@@ -1339,10 +1668,9 @@
           <a:lstStyle/>
           <a:p>
             <a:r>
-              <a:rPr kumimoji="0" lang="en-US" smtClean="0"/>
+              <a:rPr kumimoji="0" lang="en-US"/>
               <a:t>Click to edit Master title style</a:t>
             </a:r>
-            <a:endParaRPr kumimoji="0" lang="en-US"/>
           </a:p>
         </p:txBody>
       </p:sp>
@@ -1363,35 +1691,35 @@
           <a:p>
             <a:pPr lvl="0" eaLnBrk="1" latinLnBrk="0" hangingPunct="1"/>
             <a:r>
-              <a:rPr lang="en-US" smtClean="0"/>
+              <a:rPr lang="en-US"/>
               <a:t>Click to edit Master text styles</a:t>
             </a:r>
           </a:p>
           <a:p>
             <a:pPr lvl="1" eaLnBrk="1" latinLnBrk="0" hangingPunct="1"/>
             <a:r>
-              <a:rPr lang="en-US" smtClean="0"/>
+              <a:rPr lang="en-US"/>
               <a:t>Second level</a:t>
             </a:r>
           </a:p>
           <a:p>
             <a:pPr lvl="2" eaLnBrk="1" latinLnBrk="0" hangingPunct="1"/>
             <a:r>
-              <a:rPr lang="en-US" smtClean="0"/>
+              <a:rPr lang="en-US"/>
               <a:t>Third level</a:t>
             </a:r>
           </a:p>
           <a:p>
             <a:pPr lvl="3" eaLnBrk="1" latinLnBrk="0" hangingPunct="1"/>
             <a:r>
-              <a:rPr lang="en-US" smtClean="0"/>
+              <a:rPr lang="en-US"/>
               <a:t>Fourth level</a:t>
             </a:r>
           </a:p>
           <a:p>
             <a:pPr lvl="4" eaLnBrk="1" latinLnBrk="0" hangingPunct="1"/>
             <a:r>
-              <a:rPr lang="en-US" smtClean="0"/>
+              <a:rPr lang="en-US"/>
               <a:t>Fifth level</a:t>
             </a:r>
             <a:endParaRPr kumimoji="0" lang="en-US"/>
@@ -1415,7 +1743,7 @@
           <a:p>
             <a:fld id="{206CDDE3-3F38-4A2B-A2E9-649C1885500D}" type="datetimeFigureOut">
               <a:rPr lang="en-GB" smtClean="0"/>
-              <a:t>25/02/2018</a:t>
+              <a:t>27/02/2018</a:t>
             </a:fld>
             <a:endParaRPr lang="en-GB"/>
           </a:p>
@@ -1895,35 +2223,35 @@
           <a:p>
             <a:pPr lvl="0" eaLnBrk="1" latinLnBrk="0" hangingPunct="1"/>
             <a:r>
-              <a:rPr lang="en-US" smtClean="0"/>
+              <a:rPr lang="en-US"/>
               <a:t>Click to edit Master text styles</a:t>
             </a:r>
           </a:p>
           <a:p>
             <a:pPr lvl="1" eaLnBrk="1" latinLnBrk="0" hangingPunct="1"/>
             <a:r>
-              <a:rPr lang="en-US" smtClean="0"/>
+              <a:rPr lang="en-US"/>
               <a:t>Second level</a:t>
             </a:r>
           </a:p>
           <a:p>
             <a:pPr lvl="2" eaLnBrk="1" latinLnBrk="0" hangingPunct="1"/>
             <a:r>
-              <a:rPr lang="en-US" smtClean="0"/>
+              <a:rPr lang="en-US"/>
               <a:t>Third level</a:t>
             </a:r>
           </a:p>
           <a:p>
             <a:pPr lvl="3" eaLnBrk="1" latinLnBrk="0" hangingPunct="1"/>
             <a:r>
-              <a:rPr lang="en-US" smtClean="0"/>
+              <a:rPr lang="en-US"/>
               <a:t>Fourth level</a:t>
             </a:r>
           </a:p>
           <a:p>
             <a:pPr lvl="4" eaLnBrk="1" latinLnBrk="0" hangingPunct="1"/>
             <a:r>
-              <a:rPr lang="en-US" smtClean="0"/>
+              <a:rPr lang="en-US"/>
               <a:t>Fifth level</a:t>
             </a:r>
             <a:endParaRPr kumimoji="0" lang="en-US"/>
@@ -1947,7 +2275,7 @@
           <a:p>
             <a:fld id="{206CDDE3-3F38-4A2B-A2E9-649C1885500D}" type="datetimeFigureOut">
               <a:rPr lang="en-GB" smtClean="0"/>
-              <a:t>25/02/2018</a:t>
+              <a:t>27/02/2018</a:t>
             </a:fld>
             <a:endParaRPr lang="en-GB"/>
           </a:p>
@@ -1993,10 +2321,9 @@
           <a:lstStyle/>
           <a:p>
             <a:r>
-              <a:rPr kumimoji="0" lang="en-US" smtClean="0"/>
+              <a:rPr kumimoji="0" lang="en-US"/>
               <a:t>Click to edit Master title style</a:t>
             </a:r>
-            <a:endParaRPr kumimoji="0" lang="en-US"/>
           </a:p>
         </p:txBody>
       </p:sp>
@@ -2056,10 +2383,9 @@
           </a:lstStyle>
           <a:p>
             <a:r>
-              <a:rPr kumimoji="0" lang="en-US" smtClean="0"/>
+              <a:rPr kumimoji="0" lang="en-US"/>
               <a:t>Click to edit Master title style</a:t>
             </a:r>
-            <a:endParaRPr kumimoji="0" lang="en-US"/>
           </a:p>
         </p:txBody>
       </p:sp>
@@ -2080,7 +2406,7 @@
           <a:p>
             <a:fld id="{206CDDE3-3F38-4A2B-A2E9-649C1885500D}" type="datetimeFigureOut">
               <a:rPr lang="en-GB" smtClean="0"/>
-              <a:t>25/02/2018</a:t>
+              <a:t>27/02/2018</a:t>
             </a:fld>
             <a:endParaRPr lang="en-GB"/>
           </a:p>
@@ -2155,35 +2481,35 @@
           <a:p>
             <a:pPr lvl="0" eaLnBrk="1" latinLnBrk="0" hangingPunct="1"/>
             <a:r>
-              <a:rPr lang="en-US" smtClean="0"/>
+              <a:rPr lang="en-US"/>
               <a:t>Click to edit Master text styles</a:t>
             </a:r>
           </a:p>
           <a:p>
             <a:pPr lvl="1" eaLnBrk="1" latinLnBrk="0" hangingPunct="1"/>
             <a:r>
-              <a:rPr lang="en-US" smtClean="0"/>
+              <a:rPr lang="en-US"/>
               <a:t>Second level</a:t>
             </a:r>
           </a:p>
           <a:p>
             <a:pPr lvl="2" eaLnBrk="1" latinLnBrk="0" hangingPunct="1"/>
             <a:r>
-              <a:rPr lang="en-US" smtClean="0"/>
+              <a:rPr lang="en-US"/>
               <a:t>Third level</a:t>
             </a:r>
           </a:p>
           <a:p>
             <a:pPr lvl="3" eaLnBrk="1" latinLnBrk="0" hangingPunct="1"/>
             <a:r>
-              <a:rPr lang="en-US" smtClean="0"/>
+              <a:rPr lang="en-US"/>
               <a:t>Fourth level</a:t>
             </a:r>
           </a:p>
           <a:p>
             <a:pPr lvl="4" eaLnBrk="1" latinLnBrk="0" hangingPunct="1"/>
             <a:r>
-              <a:rPr lang="en-US" smtClean="0"/>
+              <a:rPr lang="en-US"/>
               <a:t>Fifth level</a:t>
             </a:r>
             <a:endParaRPr kumimoji="0" lang="en-US"/>
@@ -2507,7 +2833,7 @@
           <a:p>
             <a:pPr lvl="0" eaLnBrk="1" latinLnBrk="0" hangingPunct="1"/>
             <a:r>
-              <a:rPr kumimoji="0" lang="en-US" smtClean="0"/>
+              <a:rPr kumimoji="0" lang="en-US"/>
               <a:t>Click to edit Master text styles</a:t>
             </a:r>
           </a:p>
@@ -2623,7 +2949,7 @@
           <a:p>
             <a:fld id="{206CDDE3-3F38-4A2B-A2E9-649C1885500D}" type="datetimeFigureOut">
               <a:rPr lang="en-GB" smtClean="0"/>
-              <a:t>25/02/2018</a:t>
+              <a:t>27/02/2018</a:t>
             </a:fld>
             <a:endParaRPr lang="en-GB"/>
           </a:p>
@@ -2831,10 +3157,9 @@
           </a:lstStyle>
           <a:p>
             <a:r>
-              <a:rPr kumimoji="0" lang="en-US" smtClean="0"/>
+              <a:rPr kumimoji="0" lang="en-US"/>
               <a:t>Click to edit Master title style</a:t>
             </a:r>
-            <a:endParaRPr kumimoji="0" lang="en-US"/>
           </a:p>
         </p:txBody>
       </p:sp>
@@ -2889,10 +3214,9 @@
           <a:lstStyle/>
           <a:p>
             <a:r>
-              <a:rPr kumimoji="0" lang="en-US" smtClean="0"/>
+              <a:rPr kumimoji="0" lang="en-US"/>
               <a:t>Click to edit Master title style</a:t>
             </a:r>
-            <a:endParaRPr kumimoji="0" lang="en-US"/>
           </a:p>
         </p:txBody>
       </p:sp>
@@ -2918,7 +3242,7 @@
           <a:p>
             <a:fld id="{206CDDE3-3F38-4A2B-A2E9-649C1885500D}" type="datetimeFigureOut">
               <a:rPr lang="en-GB" smtClean="0"/>
-              <a:t>25/02/2018</a:t>
+              <a:t>27/02/2018</a:t>
             </a:fld>
             <a:endParaRPr lang="en-GB"/>
           </a:p>
@@ -3028,35 +3352,35 @@
           <a:p>
             <a:pPr lvl="0" eaLnBrk="1" latinLnBrk="0" hangingPunct="1"/>
             <a:r>
-              <a:rPr lang="en-US" smtClean="0"/>
+              <a:rPr lang="en-US"/>
               <a:t>Click to edit Master text styles</a:t>
             </a:r>
           </a:p>
           <a:p>
             <a:pPr lvl="1" eaLnBrk="1" latinLnBrk="0" hangingPunct="1"/>
             <a:r>
-              <a:rPr lang="en-US" smtClean="0"/>
+              <a:rPr lang="en-US"/>
               <a:t>Second level</a:t>
             </a:r>
           </a:p>
           <a:p>
             <a:pPr lvl="2" eaLnBrk="1" latinLnBrk="0" hangingPunct="1"/>
             <a:r>
-              <a:rPr lang="en-US" smtClean="0"/>
+              <a:rPr lang="en-US"/>
               <a:t>Third level</a:t>
             </a:r>
           </a:p>
           <a:p>
             <a:pPr lvl="3" eaLnBrk="1" latinLnBrk="0" hangingPunct="1"/>
             <a:r>
-              <a:rPr lang="en-US" smtClean="0"/>
+              <a:rPr lang="en-US"/>
               <a:t>Fourth level</a:t>
             </a:r>
           </a:p>
           <a:p>
             <a:pPr lvl="4" eaLnBrk="1" latinLnBrk="0" hangingPunct="1"/>
             <a:r>
-              <a:rPr lang="en-US" smtClean="0"/>
+              <a:rPr lang="en-US"/>
               <a:t>Fifth level</a:t>
             </a:r>
             <a:endParaRPr kumimoji="0" lang="en-US"/>
@@ -3089,35 +3413,35 @@
           <a:p>
             <a:pPr lvl="0" eaLnBrk="1" latinLnBrk="0" hangingPunct="1"/>
             <a:r>
-              <a:rPr lang="en-US" smtClean="0"/>
+              <a:rPr lang="en-US"/>
               <a:t>Click to edit Master text styles</a:t>
             </a:r>
           </a:p>
           <a:p>
             <a:pPr lvl="1" eaLnBrk="1" latinLnBrk="0" hangingPunct="1"/>
             <a:r>
-              <a:rPr lang="en-US" smtClean="0"/>
+              <a:rPr lang="en-US"/>
               <a:t>Second level</a:t>
             </a:r>
           </a:p>
           <a:p>
             <a:pPr lvl="2" eaLnBrk="1" latinLnBrk="0" hangingPunct="1"/>
             <a:r>
-              <a:rPr lang="en-US" smtClean="0"/>
+              <a:rPr lang="en-US"/>
               <a:t>Third level</a:t>
             </a:r>
           </a:p>
           <a:p>
             <a:pPr lvl="3" eaLnBrk="1" latinLnBrk="0" hangingPunct="1"/>
             <a:r>
-              <a:rPr lang="en-US" smtClean="0"/>
+              <a:rPr lang="en-US"/>
               <a:t>Fourth level</a:t>
             </a:r>
           </a:p>
           <a:p>
             <a:pPr lvl="4" eaLnBrk="1" latinLnBrk="0" hangingPunct="1"/>
             <a:r>
-              <a:rPr lang="en-US" smtClean="0"/>
+              <a:rPr lang="en-US"/>
               <a:t>Fifth level</a:t>
             </a:r>
             <a:endParaRPr kumimoji="0" lang="en-US"/>
@@ -3484,7 +3808,7 @@
           <a:p>
             <a:pPr lvl="0" eaLnBrk="1" latinLnBrk="0" hangingPunct="1"/>
             <a:r>
-              <a:rPr kumimoji="0" lang="en-US" smtClean="0"/>
+              <a:rPr kumimoji="0" lang="en-US"/>
               <a:t>Click to edit Master text styles</a:t>
             </a:r>
           </a:p>
@@ -3554,7 +3878,7 @@
           <a:p>
             <a:pPr lvl="0" eaLnBrk="1" latinLnBrk="0" hangingPunct="1"/>
             <a:r>
-              <a:rPr kumimoji="0" lang="en-US" smtClean="0"/>
+              <a:rPr kumimoji="0" lang="en-US"/>
               <a:t>Click to edit Master text styles</a:t>
             </a:r>
           </a:p>
@@ -3577,7 +3901,7 @@
           <a:p>
             <a:fld id="{206CDDE3-3F38-4A2B-A2E9-649C1885500D}" type="datetimeFigureOut">
               <a:rPr lang="en-GB" smtClean="0"/>
-              <a:t>25/02/2018</a:t>
+              <a:t>27/02/2018</a:t>
             </a:fld>
             <a:endParaRPr lang="en-GB"/>
           </a:p>
@@ -3705,35 +4029,35 @@
           <a:p>
             <a:pPr lvl="0" eaLnBrk="1" latinLnBrk="0" hangingPunct="1"/>
             <a:r>
-              <a:rPr lang="en-US" smtClean="0"/>
+              <a:rPr lang="en-US"/>
               <a:t>Click to edit Master text styles</a:t>
             </a:r>
           </a:p>
           <a:p>
             <a:pPr lvl="1" eaLnBrk="1" latinLnBrk="0" hangingPunct="1"/>
             <a:r>
-              <a:rPr lang="en-US" smtClean="0"/>
+              <a:rPr lang="en-US"/>
               <a:t>Second level</a:t>
             </a:r>
           </a:p>
           <a:p>
             <a:pPr lvl="2" eaLnBrk="1" latinLnBrk="0" hangingPunct="1"/>
             <a:r>
-              <a:rPr lang="en-US" smtClean="0"/>
+              <a:rPr lang="en-US"/>
               <a:t>Third level</a:t>
             </a:r>
           </a:p>
           <a:p>
             <a:pPr lvl="3" eaLnBrk="1" latinLnBrk="0" hangingPunct="1"/>
             <a:r>
-              <a:rPr lang="en-US" smtClean="0"/>
+              <a:rPr lang="en-US"/>
               <a:t>Fourth level</a:t>
             </a:r>
           </a:p>
           <a:p>
             <a:pPr lvl="4" eaLnBrk="1" latinLnBrk="0" hangingPunct="1"/>
             <a:r>
-              <a:rPr lang="en-US" smtClean="0"/>
+              <a:rPr lang="en-US"/>
               <a:t>Fifth level</a:t>
             </a:r>
             <a:endParaRPr kumimoji="0" lang="en-US"/>
@@ -3762,35 +4086,35 @@
           <a:p>
             <a:pPr lvl="0" eaLnBrk="1" latinLnBrk="0" hangingPunct="1"/>
             <a:r>
-              <a:rPr lang="en-US" smtClean="0"/>
+              <a:rPr lang="en-US"/>
               <a:t>Click to edit Master text styles</a:t>
             </a:r>
           </a:p>
           <a:p>
             <a:pPr lvl="1" eaLnBrk="1" latinLnBrk="0" hangingPunct="1"/>
             <a:r>
-              <a:rPr lang="en-US" smtClean="0"/>
+              <a:rPr lang="en-US"/>
               <a:t>Second level</a:t>
             </a:r>
           </a:p>
           <a:p>
             <a:pPr lvl="2" eaLnBrk="1" latinLnBrk="0" hangingPunct="1"/>
             <a:r>
-              <a:rPr lang="en-US" smtClean="0"/>
+              <a:rPr lang="en-US"/>
               <a:t>Third level</a:t>
             </a:r>
           </a:p>
           <a:p>
             <a:pPr lvl="3" eaLnBrk="1" latinLnBrk="0" hangingPunct="1"/>
             <a:r>
-              <a:rPr lang="en-US" smtClean="0"/>
+              <a:rPr lang="en-US"/>
               <a:t>Fourth level</a:t>
             </a:r>
           </a:p>
           <a:p>
             <a:pPr lvl="4" eaLnBrk="1" latinLnBrk="0" hangingPunct="1"/>
             <a:r>
-              <a:rPr lang="en-US" smtClean="0"/>
+              <a:rPr lang="en-US"/>
               <a:t>Fifth level</a:t>
             </a:r>
             <a:endParaRPr kumimoji="0" lang="en-US"/>
@@ -3941,10 +4265,9 @@
           <a:lstStyle/>
           <a:p>
             <a:r>
-              <a:rPr kumimoji="0" lang="en-US" smtClean="0"/>
+              <a:rPr kumimoji="0" lang="en-US"/>
               <a:t>Click to edit Master title style</a:t>
             </a:r>
-            <a:endParaRPr kumimoji="0" lang="en-US"/>
           </a:p>
         </p:txBody>
       </p:sp>
@@ -3989,10 +4312,9 @@
           <a:lstStyle/>
           <a:p>
             <a:r>
-              <a:rPr kumimoji="0" lang="en-US" smtClean="0"/>
+              <a:rPr kumimoji="0" lang="en-US"/>
               <a:t>Click to edit Master title style</a:t>
             </a:r>
-            <a:endParaRPr kumimoji="0" lang="en-US"/>
           </a:p>
         </p:txBody>
       </p:sp>
@@ -4013,7 +4335,7 @@
           <a:p>
             <a:fld id="{206CDDE3-3F38-4A2B-A2E9-649C1885500D}" type="datetimeFigureOut">
               <a:rPr lang="en-GB" smtClean="0"/>
-              <a:t>25/02/2018</a:t>
+              <a:t>27/02/2018</a:t>
             </a:fld>
             <a:endParaRPr lang="en-GB"/>
           </a:p>
@@ -4326,7 +4648,7 @@
           <a:p>
             <a:fld id="{206CDDE3-3F38-4A2B-A2E9-649C1885500D}" type="datetimeFigureOut">
               <a:rPr lang="en-GB" smtClean="0"/>
-              <a:t>25/02/2018</a:t>
+              <a:t>27/02/2018</a:t>
             </a:fld>
             <a:endParaRPr lang="en-GB"/>
           </a:p>
@@ -4675,10 +4997,9 @@
           </a:lstStyle>
           <a:p>
             <a:r>
-              <a:rPr kumimoji="0" lang="en-US" smtClean="0"/>
+              <a:rPr kumimoji="0" lang="en-US"/>
               <a:t>Click to edit Master title style</a:t>
             </a:r>
-            <a:endParaRPr kumimoji="0" lang="en-US"/>
           </a:p>
         </p:txBody>
       </p:sp>
@@ -4732,7 +5053,7 @@
           <a:p>
             <a:pPr lvl="0" eaLnBrk="1" latinLnBrk="0" hangingPunct="1"/>
             <a:r>
-              <a:rPr kumimoji="0" lang="en-US" smtClean="0"/>
+              <a:rPr kumimoji="0" lang="en-US"/>
               <a:t>Click to edit Master text styles</a:t>
             </a:r>
           </a:p>
@@ -4836,35 +5157,35 @@
           <a:p>
             <a:pPr lvl="0" eaLnBrk="1" latinLnBrk="0" hangingPunct="1"/>
             <a:r>
-              <a:rPr lang="en-US" smtClean="0"/>
+              <a:rPr lang="en-US"/>
               <a:t>Click to edit Master text styles</a:t>
             </a:r>
           </a:p>
           <a:p>
             <a:pPr lvl="1" eaLnBrk="1" latinLnBrk="0" hangingPunct="1"/>
             <a:r>
-              <a:rPr lang="en-US" smtClean="0"/>
+              <a:rPr lang="en-US"/>
               <a:t>Second level</a:t>
             </a:r>
           </a:p>
           <a:p>
             <a:pPr lvl="2" eaLnBrk="1" latinLnBrk="0" hangingPunct="1"/>
             <a:r>
-              <a:rPr lang="en-US" smtClean="0"/>
+              <a:rPr lang="en-US"/>
               <a:t>Third level</a:t>
             </a:r>
           </a:p>
           <a:p>
             <a:pPr lvl="3" eaLnBrk="1" latinLnBrk="0" hangingPunct="1"/>
             <a:r>
-              <a:rPr lang="en-US" smtClean="0"/>
+              <a:rPr lang="en-US"/>
               <a:t>Fourth level</a:t>
             </a:r>
           </a:p>
           <a:p>
             <a:pPr lvl="4" eaLnBrk="1" latinLnBrk="0" hangingPunct="1"/>
             <a:r>
-              <a:rPr lang="en-US" smtClean="0"/>
+              <a:rPr lang="en-US"/>
               <a:t>Fifth level</a:t>
             </a:r>
             <a:endParaRPr kumimoji="0" lang="en-US"/>
@@ -5058,7 +5379,7 @@
           <a:p>
             <a:fld id="{206CDDE3-3F38-4A2B-A2E9-649C1885500D}" type="datetimeFigureOut">
               <a:rPr lang="en-GB" smtClean="0"/>
-              <a:t>25/02/2018</a:t>
+              <a:t>27/02/2018</a:t>
             </a:fld>
             <a:endParaRPr lang="en-GB"/>
           </a:p>
@@ -5571,10 +5892,9 @@
           </a:lstStyle>
           <a:p>
             <a:r>
-              <a:rPr kumimoji="0" lang="en-US" smtClean="0"/>
+              <a:rPr kumimoji="0" lang="en-US"/>
               <a:t>Click to edit Master title style</a:t>
             </a:r>
-            <a:endParaRPr kumimoji="0" lang="en-US"/>
           </a:p>
         </p:txBody>
       </p:sp>
@@ -5604,7 +5924,7 @@
           </a:lstStyle>
           <a:p>
             <a:r>
-              <a:rPr kumimoji="0" lang="en-US" smtClean="0"/>
+              <a:rPr kumimoji="0" lang="en-US"/>
               <a:t>Click icon to add picture</a:t>
             </a:r>
             <a:endParaRPr kumimoji="0" lang="en-US" dirty="0"/>
@@ -5658,7 +5978,7 @@
           <a:p>
             <a:pPr lvl="0" eaLnBrk="1" latinLnBrk="0" hangingPunct="1"/>
             <a:r>
-              <a:rPr kumimoji="0" lang="en-US" smtClean="0"/>
+              <a:rPr kumimoji="0" lang="en-US"/>
               <a:t>Click to edit Master text styles</a:t>
             </a:r>
           </a:p>
@@ -5722,7 +6042,7 @@
           <a:p>
             <a:fld id="{206CDDE3-3F38-4A2B-A2E9-649C1885500D}" type="datetimeFigureOut">
               <a:rPr lang="en-GB" smtClean="0"/>
-              <a:t>25/02/2018</a:t>
+              <a:t>27/02/2018</a:t>
             </a:fld>
             <a:endParaRPr lang="en-GB"/>
           </a:p>
@@ -5995,7 +6315,7 @@
           <a:p>
             <a:fld id="{206CDDE3-3F38-4A2B-A2E9-649C1885500D}" type="datetimeFigureOut">
               <a:rPr lang="en-GB" smtClean="0"/>
-              <a:t>25/02/2018</a:t>
+              <a:t>27/02/2018</a:t>
             </a:fld>
             <a:endParaRPr lang="en-GB"/>
           </a:p>
@@ -6277,10 +6597,9 @@
           <a:lstStyle/>
           <a:p>
             <a:r>
-              <a:rPr kumimoji="0" lang="en-US" smtClean="0"/>
+              <a:rPr kumimoji="0" lang="en-US"/>
               <a:t>Click to edit Master title style</a:t>
             </a:r>
-            <a:endParaRPr kumimoji="0" lang="en-US"/>
           </a:p>
         </p:txBody>
       </p:sp>
@@ -6311,38 +6630,37 @@
           <a:p>
             <a:pPr lvl="0" eaLnBrk="1" latinLnBrk="0" hangingPunct="1"/>
             <a:r>
-              <a:rPr kumimoji="0" lang="en-US" smtClean="0"/>
+              <a:rPr kumimoji="0" lang="en-US"/>
               <a:t>Click to edit Master text styles</a:t>
             </a:r>
           </a:p>
           <a:p>
             <a:pPr lvl="1" eaLnBrk="1" latinLnBrk="0" hangingPunct="1"/>
             <a:r>
-              <a:rPr kumimoji="0" lang="en-US" smtClean="0"/>
+              <a:rPr kumimoji="0" lang="en-US"/>
               <a:t>Second level</a:t>
             </a:r>
           </a:p>
           <a:p>
             <a:pPr lvl="2" eaLnBrk="1" latinLnBrk="0" hangingPunct="1"/>
             <a:r>
-              <a:rPr kumimoji="0" lang="en-US" smtClean="0"/>
+              <a:rPr kumimoji="0" lang="en-US"/>
               <a:t>Third level</a:t>
             </a:r>
           </a:p>
           <a:p>
             <a:pPr lvl="3" eaLnBrk="1" latinLnBrk="0" hangingPunct="1"/>
             <a:r>
-              <a:rPr kumimoji="0" lang="en-US" smtClean="0"/>
+              <a:rPr kumimoji="0" lang="en-US"/>
               <a:t>Fourth level</a:t>
             </a:r>
           </a:p>
           <a:p>
             <a:pPr lvl="4" eaLnBrk="1" latinLnBrk="0" hangingPunct="1"/>
             <a:r>
-              <a:rPr kumimoji="0" lang="en-US" smtClean="0"/>
+              <a:rPr kumimoji="0" lang="en-US"/>
               <a:t>Fifth level</a:t>
             </a:r>
-            <a:endParaRPr kumimoji="0" lang="en-US"/>
           </a:p>
         </p:txBody>
       </p:sp>
@@ -6684,11 +7002,11 @@
           <a:lstStyle/>
           <a:p>
             <a:r>
-              <a:rPr lang="en-GB" dirty="0" smtClean="0"/>
+              <a:rPr lang="en-GB" dirty="0"/>
               <a:t>Connor </a:t>
             </a:r>
             <a:r>
-              <a:rPr lang="en-GB" dirty="0" err="1" smtClean="0"/>
+              <a:rPr lang="en-GB" dirty="0" err="1"/>
               <a:t>Wilby</a:t>
             </a:r>
             <a:endParaRPr lang="en-GB" dirty="0"/>
@@ -6711,136 +7029,9 @@
           <a:lstStyle/>
           <a:p>
             <a:r>
-              <a:rPr lang="en-GB" dirty="0" smtClean="0"/>
+              <a:rPr lang="en-GB" dirty="0"/>
               <a:t>Guard AI</a:t>
             </a:r>
-            <a:endParaRPr lang="en-GB" dirty="0"/>
-          </a:p>
-        </p:txBody>
-      </p:sp>
-    </p:spTree>
-  </p:cSld>
-  <p:clrMapOvr>
-    <a:masterClrMapping/>
-  </p:clrMapOvr>
-</p:sld>
-</file>
-
-<file path=ppt/slides/slide10.xml><?xml version="1.0" encoding="utf-8"?>
-<p:sld xmlns:a="http://schemas.openxmlformats.org/drawingml/2006/main" xmlns:r="http://schemas.openxmlformats.org/officeDocument/2006/relationships" xmlns:p="http://schemas.openxmlformats.org/presentationml/2006/main">
-  <p:cSld>
-    <p:spTree>
-      <p:nvGrpSpPr>
-        <p:cNvPr id="1" name=""/>
-        <p:cNvGrpSpPr/>
-        <p:nvPr/>
-      </p:nvGrpSpPr>
-      <p:grpSpPr>
-        <a:xfrm>
-          <a:off x="0" y="0"/>
-          <a:ext cx="0" cy="0"/>
-          <a:chOff x="0" y="0"/>
-          <a:chExt cx="0" cy="0"/>
-        </a:xfrm>
-      </p:grpSpPr>
-      <p:sp>
-        <p:nvSpPr>
-          <p:cNvPr id="2" name="Title 1"/>
-          <p:cNvSpPr>
-            <a:spLocks noGrp="1"/>
-          </p:cNvSpPr>
-          <p:nvPr>
-            <p:ph type="title"/>
-          </p:nvPr>
-        </p:nvSpPr>
-        <p:spPr/>
-        <p:txBody>
-          <a:bodyPr/>
-          <a:lstStyle/>
-          <a:p>
-            <a:endParaRPr lang="en-GB"/>
-          </a:p>
-        </p:txBody>
-      </p:sp>
-      <p:sp>
-        <p:nvSpPr>
-          <p:cNvPr id="3" name="Content Placeholder 2"/>
-          <p:cNvSpPr>
-            <a:spLocks noGrp="1"/>
-          </p:cNvSpPr>
-          <p:nvPr>
-            <p:ph sz="quarter" idx="1"/>
-          </p:nvPr>
-        </p:nvSpPr>
-        <p:spPr/>
-        <p:txBody>
-          <a:bodyPr/>
-          <a:lstStyle/>
-          <a:p>
-            <a:endParaRPr lang="en-GB"/>
-          </a:p>
-        </p:txBody>
-      </p:sp>
-    </p:spTree>
-  </p:cSld>
-  <p:clrMapOvr>
-    <a:masterClrMapping/>
-  </p:clrMapOvr>
-</p:sld>
-</file>
-
-<file path=ppt/slides/slide11.xml><?xml version="1.0" encoding="utf-8"?>
-<p:sld xmlns:a="http://schemas.openxmlformats.org/drawingml/2006/main" xmlns:r="http://schemas.openxmlformats.org/officeDocument/2006/relationships" xmlns:p="http://schemas.openxmlformats.org/presentationml/2006/main">
-  <p:cSld>
-    <p:spTree>
-      <p:nvGrpSpPr>
-        <p:cNvPr id="1" name=""/>
-        <p:cNvGrpSpPr/>
-        <p:nvPr/>
-      </p:nvGrpSpPr>
-      <p:grpSpPr>
-        <a:xfrm>
-          <a:off x="0" y="0"/>
-          <a:ext cx="0" cy="0"/>
-          <a:chOff x="0" y="0"/>
-          <a:chExt cx="0" cy="0"/>
-        </a:xfrm>
-      </p:grpSpPr>
-      <p:sp>
-        <p:nvSpPr>
-          <p:cNvPr id="2" name="Title 1"/>
-          <p:cNvSpPr>
-            <a:spLocks noGrp="1"/>
-          </p:cNvSpPr>
-          <p:nvPr>
-            <p:ph type="title"/>
-          </p:nvPr>
-        </p:nvSpPr>
-        <p:spPr/>
-        <p:txBody>
-          <a:bodyPr/>
-          <a:lstStyle/>
-          <a:p>
-            <a:endParaRPr lang="en-GB"/>
-          </a:p>
-        </p:txBody>
-      </p:sp>
-      <p:sp>
-        <p:nvSpPr>
-          <p:cNvPr id="3" name="Content Placeholder 2"/>
-          <p:cNvSpPr>
-            <a:spLocks noGrp="1"/>
-          </p:cNvSpPr>
-          <p:nvPr>
-            <p:ph sz="quarter" idx="1"/>
-          </p:nvPr>
-        </p:nvSpPr>
-        <p:spPr/>
-        <p:txBody>
-          <a:bodyPr/>
-          <a:lstStyle/>
-          <a:p>
-            <a:endParaRPr lang="en-GB"/>
           </a:p>
         </p:txBody>
       </p:sp>
@@ -6885,82 +7076,80 @@
           <a:lstStyle/>
           <a:p>
             <a:r>
-              <a:rPr lang="en-GB" dirty="0" smtClean="0"/>
+              <a:rPr lang="en-GB" dirty="0"/>
               <a:t>The Original plan</a:t>
             </a:r>
+          </a:p>
+        </p:txBody>
+      </p:sp>
+      <p:sp>
+        <p:nvSpPr>
+          <p:cNvPr id="3" name="Content Placeholder 2"/>
+          <p:cNvSpPr>
+            <a:spLocks noGrp="1"/>
+          </p:cNvSpPr>
+          <p:nvPr>
+            <p:ph sz="quarter" idx="1"/>
+          </p:nvPr>
+        </p:nvSpPr>
+        <p:spPr/>
+        <p:txBody>
+          <a:bodyPr/>
+          <a:lstStyle/>
+          <a:p>
+            <a:r>
+              <a:rPr lang="en-GB" dirty="0"/>
+              <a:t>2D</a:t>
+            </a:r>
+          </a:p>
+          <a:p>
+            <a:r>
+              <a:rPr lang="en-GB" dirty="0" err="1"/>
+              <a:t>Oxygine</a:t>
+            </a:r>
             <a:endParaRPr lang="en-GB" dirty="0"/>
           </a:p>
-        </p:txBody>
-      </p:sp>
-      <p:sp>
-        <p:nvSpPr>
-          <p:cNvPr id="3" name="Content Placeholder 2"/>
-          <p:cNvSpPr>
-            <a:spLocks noGrp="1"/>
-          </p:cNvSpPr>
-          <p:nvPr>
-            <p:ph sz="quarter" idx="1"/>
-          </p:nvPr>
-        </p:nvSpPr>
-        <p:spPr/>
-        <p:txBody>
-          <a:bodyPr/>
-          <a:lstStyle/>
-          <a:p>
-            <a:r>
-              <a:rPr lang="en-GB" dirty="0" smtClean="0"/>
-              <a:t>2D</a:t>
-            </a:r>
-          </a:p>
-          <a:p>
-            <a:r>
-              <a:rPr lang="en-GB" dirty="0" err="1" smtClean="0"/>
-              <a:t>Oxygine</a:t>
-            </a:r>
-            <a:endParaRPr lang="en-GB" dirty="0" smtClean="0"/>
-          </a:p>
-          <a:p>
-            <a:r>
-              <a:rPr lang="en-GB" dirty="0" smtClean="0"/>
+          <a:p>
+            <a:r>
+              <a:rPr lang="en-GB" dirty="0"/>
               <a:t>Many supporting systems</a:t>
             </a:r>
           </a:p>
           <a:p>
             <a:pPr lvl="1"/>
             <a:r>
-              <a:rPr lang="en-GB" dirty="0" err="1" smtClean="0"/>
+              <a:rPr lang="en-GB" dirty="0" err="1"/>
               <a:t>Pathfinding</a:t>
             </a:r>
-            <a:endParaRPr lang="en-GB" dirty="0" smtClean="0"/>
+            <a:endParaRPr lang="en-GB" dirty="0"/>
           </a:p>
           <a:p>
             <a:pPr lvl="1"/>
             <a:r>
-              <a:rPr lang="en-GB" dirty="0" smtClean="0"/>
+              <a:rPr lang="en-GB" dirty="0"/>
               <a:t>Multi-agent</a:t>
             </a:r>
           </a:p>
           <a:p>
             <a:pPr lvl="1"/>
             <a:r>
-              <a:rPr lang="en-GB" dirty="0" smtClean="0"/>
+              <a:rPr lang="en-GB" dirty="0"/>
+              <a:t>Behaviour tree command structure</a:t>
+            </a:r>
+          </a:p>
+          <a:p>
+            <a:pPr lvl="1"/>
+            <a:r>
+              <a:rPr lang="en-GB" dirty="0"/>
               <a:t>Hierarchical command structure</a:t>
             </a:r>
           </a:p>
           <a:p>
             <a:pPr lvl="1"/>
             <a:r>
-              <a:rPr lang="en-GB" dirty="0" smtClean="0"/>
-              <a:t>Behaviour tree command structure</a:t>
-            </a:r>
-          </a:p>
-          <a:p>
-            <a:pPr lvl="1"/>
-            <a:r>
-              <a:rPr lang="en-GB" dirty="0" smtClean="0"/>
+              <a:rPr lang="en-GB" dirty="0"/>
               <a:t>C++</a:t>
             </a:r>
-            <a:endParaRPr lang="en-GB" dirty="0"/>
           </a:p>
         </p:txBody>
       </p:sp>
@@ -7005,80 +7194,75 @@
           <a:lstStyle/>
           <a:p>
             <a:r>
-              <a:rPr lang="en-GB" dirty="0" smtClean="0"/>
+              <a:rPr lang="en-GB" dirty="0"/>
               <a:t>The New Plan</a:t>
             </a:r>
+          </a:p>
+        </p:txBody>
+      </p:sp>
+      <p:sp>
+        <p:nvSpPr>
+          <p:cNvPr id="3" name="Content Placeholder 2"/>
+          <p:cNvSpPr>
+            <a:spLocks noGrp="1"/>
+          </p:cNvSpPr>
+          <p:nvPr>
+            <p:ph sz="quarter" idx="1"/>
+          </p:nvPr>
+        </p:nvSpPr>
+        <p:spPr/>
+        <p:txBody>
+          <a:bodyPr/>
+          <a:lstStyle/>
+          <a:p>
+            <a:r>
+              <a:rPr lang="en-GB" dirty="0"/>
+              <a:t>Unity</a:t>
+            </a:r>
+          </a:p>
+          <a:p>
+            <a:r>
+              <a:rPr lang="en-GB" dirty="0"/>
+              <a:t>3D</a:t>
+            </a:r>
+          </a:p>
+          <a:p>
+            <a:r>
+              <a:rPr lang="en-GB" dirty="0"/>
+              <a:t>Supporting Systems:</a:t>
+            </a:r>
+          </a:p>
+          <a:p>
+            <a:pPr lvl="1"/>
+            <a:r>
+              <a:rPr lang="en-GB" dirty="0"/>
+              <a:t>Behaviour tree</a:t>
+            </a:r>
+          </a:p>
+          <a:p>
+            <a:pPr lvl="1"/>
+            <a:r>
+              <a:rPr lang="en-GB" dirty="0" err="1"/>
+              <a:t>Pathfinding</a:t>
+            </a:r>
+            <a:r>
+              <a:rPr lang="en-GB" dirty="0"/>
+              <a:t>: Unity </a:t>
+            </a:r>
+            <a:r>
+              <a:rPr lang="en-GB" dirty="0" err="1"/>
+              <a:t>Navmesh</a:t>
+            </a:r>
             <a:endParaRPr lang="en-GB" dirty="0"/>
           </a:p>
-        </p:txBody>
-      </p:sp>
-      <p:sp>
-        <p:nvSpPr>
-          <p:cNvPr id="3" name="Content Placeholder 2"/>
-          <p:cNvSpPr>
-            <a:spLocks noGrp="1"/>
-          </p:cNvSpPr>
-          <p:nvPr>
-            <p:ph sz="quarter" idx="1"/>
-          </p:nvPr>
-        </p:nvSpPr>
-        <p:spPr/>
-        <p:txBody>
-          <a:bodyPr/>
-          <a:lstStyle/>
-          <a:p>
-            <a:r>
-              <a:rPr lang="en-GB" dirty="0" smtClean="0"/>
-              <a:t>Unity</a:t>
-            </a:r>
-          </a:p>
-          <a:p>
-            <a:r>
-              <a:rPr lang="en-GB" dirty="0" smtClean="0"/>
-              <a:t>3D</a:t>
-            </a:r>
-          </a:p>
-          <a:p>
-            <a:r>
-              <a:rPr lang="en-GB" dirty="0" smtClean="0"/>
-              <a:t>Supporting Systems:</a:t>
-            </a:r>
-          </a:p>
           <a:p>
             <a:pPr lvl="1"/>
             <a:r>
-              <a:rPr lang="en-GB" dirty="0" smtClean="0"/>
-              <a:t>Behaviour </a:t>
-            </a:r>
-            <a:r>
-              <a:rPr lang="en-GB" dirty="0" smtClean="0"/>
-              <a:t>tree</a:t>
-            </a:r>
-          </a:p>
-          <a:p>
-            <a:pPr lvl="1"/>
-            <a:r>
-              <a:rPr lang="en-GB" dirty="0" err="1" smtClean="0"/>
-              <a:t>Pathfinding</a:t>
-            </a:r>
-            <a:r>
-              <a:rPr lang="en-GB" dirty="0" smtClean="0"/>
-              <a:t>: Unity </a:t>
-            </a:r>
-            <a:r>
-              <a:rPr lang="en-GB" dirty="0" err="1" smtClean="0"/>
-              <a:t>Navmesh</a:t>
-            </a:r>
-            <a:endParaRPr lang="en-GB" dirty="0" smtClean="0"/>
-          </a:p>
-          <a:p>
-            <a:pPr lvl="1"/>
-            <a:r>
-              <a:rPr lang="en-GB" dirty="0" err="1" smtClean="0"/>
+              <a:rPr lang="en-GB" dirty="0" err="1"/>
               <a:t>Viewcones</a:t>
             </a:r>
             <a:r>
-              <a:rPr lang="en-GB" dirty="0" smtClean="0"/>
+              <a:rPr lang="en-GB" dirty="0"/>
               <a:t>/detection system</a:t>
             </a:r>
           </a:p>
@@ -7125,68 +7309,74 @@
           <a:lstStyle/>
           <a:p>
             <a:r>
-              <a:rPr lang="en-GB" dirty="0" smtClean="0"/>
+              <a:rPr lang="en-GB" dirty="0"/>
               <a:t>Currently implemented</a:t>
             </a:r>
+          </a:p>
+        </p:txBody>
+      </p:sp>
+      <p:sp>
+        <p:nvSpPr>
+          <p:cNvPr id="3" name="Content Placeholder 2"/>
+          <p:cNvSpPr>
+            <a:spLocks noGrp="1"/>
+          </p:cNvSpPr>
+          <p:nvPr>
+            <p:ph sz="quarter" idx="1"/>
+          </p:nvPr>
+        </p:nvSpPr>
+        <p:spPr/>
+        <p:txBody>
+          <a:bodyPr/>
+          <a:lstStyle/>
+          <a:p>
+            <a:r>
+              <a:rPr lang="en-GB" dirty="0"/>
+              <a:t>Composites:</a:t>
+            </a:r>
+          </a:p>
+          <a:p>
+            <a:pPr lvl="1"/>
+            <a:r>
+              <a:rPr lang="en-GB" dirty="0"/>
+              <a:t>Selector</a:t>
+            </a:r>
+          </a:p>
+          <a:p>
+            <a:pPr lvl="1"/>
+            <a:r>
+              <a:rPr lang="en-GB" dirty="0"/>
+              <a:t>Sequence</a:t>
+            </a:r>
+          </a:p>
+          <a:p>
+            <a:r>
+              <a:rPr lang="en-GB" dirty="0"/>
+              <a:t>Decorators:</a:t>
+            </a:r>
+          </a:p>
+          <a:p>
+            <a:pPr lvl="1"/>
+            <a:r>
+              <a:rPr lang="en-GB" dirty="0" err="1"/>
+              <a:t>Succeeder</a:t>
+            </a:r>
             <a:endParaRPr lang="en-GB" dirty="0"/>
           </a:p>
-        </p:txBody>
-      </p:sp>
-      <p:sp>
-        <p:nvSpPr>
-          <p:cNvPr id="3" name="Content Placeholder 2"/>
-          <p:cNvSpPr>
-            <a:spLocks noGrp="1"/>
-          </p:cNvSpPr>
-          <p:nvPr>
-            <p:ph sz="quarter" idx="1"/>
-          </p:nvPr>
-        </p:nvSpPr>
-        <p:spPr/>
-        <p:txBody>
-          <a:bodyPr/>
-          <a:lstStyle/>
-          <a:p>
-            <a:r>
-              <a:rPr lang="en-GB" dirty="0" smtClean="0"/>
-              <a:t>Composites:</a:t>
-            </a:r>
-          </a:p>
           <a:p>
             <a:pPr lvl="1"/>
             <a:r>
-              <a:rPr lang="en-GB" dirty="0" smtClean="0"/>
-              <a:t>Selector</a:t>
-            </a:r>
+              <a:rPr lang="en-GB" dirty="0" err="1"/>
+              <a:t>Failer</a:t>
+            </a:r>
+            <a:endParaRPr lang="en-GB" dirty="0"/>
           </a:p>
           <a:p>
             <a:pPr lvl="1"/>
             <a:r>
-              <a:rPr lang="en-GB" dirty="0" smtClean="0"/>
-              <a:t>Sequence</a:t>
-            </a:r>
-          </a:p>
-          <a:p>
-            <a:r>
-              <a:rPr lang="en-GB" dirty="0" smtClean="0"/>
-              <a:t>Decorators:</a:t>
-            </a:r>
-          </a:p>
-          <a:p>
-            <a:pPr lvl="1"/>
-            <a:r>
-              <a:rPr lang="en-GB" dirty="0" err="1" smtClean="0"/>
-              <a:t>Succeeder</a:t>
-            </a:r>
-            <a:endParaRPr lang="en-GB" dirty="0" smtClean="0"/>
-          </a:p>
-          <a:p>
-            <a:pPr lvl="1"/>
-            <a:r>
-              <a:rPr lang="en-GB" dirty="0" err="1" smtClean="0"/>
-              <a:t>Failer</a:t>
-            </a:r>
-            <a:endParaRPr lang="en-GB" dirty="0" smtClean="0"/>
+              <a:rPr lang="en-GB" dirty="0"/>
+              <a:t>Repeater</a:t>
+            </a:r>
           </a:p>
         </p:txBody>
       </p:sp>
@@ -7231,10 +7421,9 @@
           <a:lstStyle/>
           <a:p>
             <a:r>
-              <a:rPr lang="en-GB" dirty="0" smtClean="0"/>
+              <a:rPr lang="en-GB" dirty="0"/>
               <a:t>Behaviour tree plan</a:t>
             </a:r>
-            <a:endParaRPr lang="en-GB" dirty="0"/>
           </a:p>
         </p:txBody>
       </p:sp>
@@ -7254,79 +7443,70 @@
           <a:lstStyle/>
           <a:p>
             <a:r>
-              <a:rPr lang="en-GB" dirty="0" smtClean="0"/>
+              <a:rPr lang="en-GB" dirty="0"/>
               <a:t>Priority behaviour sections</a:t>
             </a:r>
           </a:p>
           <a:p>
             <a:pPr lvl="1"/>
             <a:r>
-              <a:rPr lang="en-GB" dirty="0" smtClean="0"/>
+              <a:rPr lang="en-GB" dirty="0"/>
               <a:t>Player spotted</a:t>
             </a:r>
           </a:p>
           <a:p>
             <a:pPr lvl="1"/>
             <a:r>
-              <a:rPr lang="en-GB" dirty="0" smtClean="0"/>
+              <a:rPr lang="en-GB" dirty="0"/>
               <a:t>Guard searching</a:t>
             </a:r>
           </a:p>
           <a:p>
             <a:r>
-              <a:rPr lang="en-GB" dirty="0" smtClean="0"/>
-              <a:t>Secondary </a:t>
-            </a:r>
-            <a:r>
-              <a:rPr lang="en-GB" dirty="0" smtClean="0"/>
-              <a:t>b</a:t>
-            </a:r>
-            <a:r>
-              <a:rPr lang="en-GB" dirty="0" smtClean="0"/>
-              <a:t>ehaviours</a:t>
+              <a:rPr lang="en-GB" dirty="0"/>
+              <a:t>Secondary behaviours</a:t>
             </a:r>
           </a:p>
           <a:p>
             <a:pPr lvl="1"/>
             <a:r>
-              <a:rPr lang="en-GB" dirty="0" smtClean="0"/>
+              <a:rPr lang="en-GB" dirty="0"/>
               <a:t>Patrol</a:t>
             </a:r>
           </a:p>
           <a:p>
             <a:pPr lvl="1"/>
             <a:r>
-              <a:rPr lang="en-GB" dirty="0" smtClean="0"/>
+              <a:rPr lang="en-GB" dirty="0"/>
               <a:t>Stationary guard</a:t>
             </a:r>
           </a:p>
           <a:p>
             <a:pPr lvl="1"/>
             <a:r>
-              <a:rPr lang="en-GB" dirty="0" smtClean="0"/>
+              <a:rPr lang="en-GB" dirty="0"/>
               <a:t>Idle</a:t>
             </a:r>
           </a:p>
           <a:p>
             <a:r>
-              <a:rPr lang="en-GB" dirty="0" smtClean="0"/>
+              <a:rPr lang="en-GB" dirty="0"/>
               <a:t>Tertiary behaviours</a:t>
             </a:r>
           </a:p>
           <a:p>
             <a:pPr lvl="1"/>
             <a:r>
-              <a:rPr lang="en-GB" dirty="0" smtClean="0"/>
+              <a:rPr lang="en-GB" dirty="0"/>
               <a:t>Specific idle</a:t>
             </a:r>
           </a:p>
           <a:p>
             <a:pPr lvl="1"/>
             <a:r>
-              <a:rPr lang="en-GB" dirty="0" smtClean="0"/>
+              <a:rPr lang="en-GB" dirty="0"/>
               <a:t>BARK system</a:t>
             </a:r>
-            <a:endParaRPr lang="en-GB" dirty="0"/>
           </a:p>
         </p:txBody>
       </p:sp>
@@ -7371,32 +7551,42 @@
           <a:lstStyle/>
           <a:p>
             <a:r>
-              <a:rPr lang="en-GB" dirty="0" smtClean="0"/>
-              <a:t>(pictures of behaviour tree plan)</a:t>
-            </a:r>
-            <a:endParaRPr lang="en-GB" dirty="0"/>
-          </a:p>
-        </p:txBody>
-      </p:sp>
-      <p:sp>
-        <p:nvSpPr>
-          <p:cNvPr id="3" name="Content Placeholder 2"/>
-          <p:cNvSpPr>
-            <a:spLocks noGrp="1"/>
-          </p:cNvSpPr>
-          <p:nvPr>
-            <p:ph sz="quarter" idx="1"/>
-          </p:nvPr>
-        </p:nvSpPr>
-        <p:spPr/>
-        <p:txBody>
-          <a:bodyPr/>
-          <a:lstStyle/>
-          <a:p>
-            <a:endParaRPr lang="en-GB"/>
-          </a:p>
-        </p:txBody>
-      </p:sp>
+              <a:rPr lang="en-GB" dirty="0"/>
+              <a:t>Player Spotted Sub-tree</a:t>
+            </a:r>
+          </a:p>
+        </p:txBody>
+      </p:sp>
+      <p:pic>
+        <p:nvPicPr>
+          <p:cNvPr id="4" name="Picture 3">
+            <a:extLst>
+              <a:ext uri="{FF2B5EF4-FFF2-40B4-BE49-F238E27FC236}">
+                <a16:creationId xmlns:a16="http://schemas.microsoft.com/office/drawing/2014/main" id="{ACE5628C-C5DE-4744-BA3C-E00068316652}"/>
+              </a:ext>
+            </a:extLst>
+          </p:cNvPr>
+          <p:cNvPicPr>
+            <a:picLocks noChangeAspect="1"/>
+          </p:cNvPicPr>
+          <p:nvPr/>
+        </p:nvPicPr>
+        <p:blipFill>
+          <a:blip r:embed="rId2"/>
+          <a:stretch>
+            <a:fillRect/>
+          </a:stretch>
+        </p:blipFill>
+        <p:spPr>
+          <a:xfrm>
+            <a:off x="1485056" y="1628800"/>
+            <a:ext cx="6173887" cy="4674615"/>
+          </a:xfrm>
+          <a:prstGeom prst="rect">
+            <a:avLst/>
+          </a:prstGeom>
+        </p:spPr>
+      </p:pic>
     </p:spTree>
   </p:cSld>
   <p:clrMapOvr>
@@ -7422,9 +7612,45 @@
           <a:chExt cx="0" cy="0"/>
         </a:xfrm>
       </p:grpSpPr>
-      <p:sp>
-        <p:nvSpPr>
-          <p:cNvPr id="2" name="Title 1"/>
+      <p:pic>
+        <p:nvPicPr>
+          <p:cNvPr id="4" name="Picture 3">
+            <a:extLst>
+              <a:ext uri="{FF2B5EF4-FFF2-40B4-BE49-F238E27FC236}">
+                <a16:creationId xmlns:a16="http://schemas.microsoft.com/office/drawing/2014/main" id="{71ED43CD-7713-4F1B-9166-B814EE1EA076}"/>
+              </a:ext>
+            </a:extLst>
+          </p:cNvPr>
+          <p:cNvPicPr>
+            <a:picLocks noChangeAspect="1"/>
+          </p:cNvPicPr>
+          <p:nvPr/>
+        </p:nvPicPr>
+        <p:blipFill>
+          <a:blip r:embed="rId2"/>
+          <a:stretch>
+            <a:fillRect/>
+          </a:stretch>
+        </p:blipFill>
+        <p:spPr>
+          <a:xfrm>
+            <a:off x="394847" y="1628800"/>
+            <a:ext cx="8477250" cy="4848225"/>
+          </a:xfrm>
+          <a:prstGeom prst="rect">
+            <a:avLst/>
+          </a:prstGeom>
+        </p:spPr>
+      </p:pic>
+      <p:sp>
+        <p:nvSpPr>
+          <p:cNvPr id="2" name="Title 1">
+            <a:extLst>
+              <a:ext uri="{FF2B5EF4-FFF2-40B4-BE49-F238E27FC236}">
+                <a16:creationId xmlns:a16="http://schemas.microsoft.com/office/drawing/2014/main" id="{5F2611CC-C114-440B-AD3E-02196FD9E57F}"/>
+              </a:ext>
+            </a:extLst>
+          </p:cNvPr>
           <p:cNvSpPr>
             <a:spLocks noGrp="1"/>
           </p:cNvSpPr>
@@ -7438,37 +7664,18 @@
           <a:lstStyle/>
           <a:p>
             <a:r>
-              <a:rPr lang="en-GB" dirty="0" smtClean="0"/>
-              <a:t>Schedule changes </a:t>
-            </a:r>
-            <a:r>
-              <a:rPr lang="en-GB" smtClean="0"/>
-              <a:t>and reasoning</a:t>
-            </a:r>
-            <a:endParaRPr lang="en-GB"/>
-          </a:p>
-        </p:txBody>
-      </p:sp>
-      <p:sp>
-        <p:nvSpPr>
-          <p:cNvPr id="3" name="Content Placeholder 2"/>
-          <p:cNvSpPr>
-            <a:spLocks noGrp="1"/>
-          </p:cNvSpPr>
-          <p:nvPr>
-            <p:ph sz="quarter" idx="1"/>
-          </p:nvPr>
-        </p:nvSpPr>
-        <p:spPr/>
-        <p:txBody>
-          <a:bodyPr/>
-          <a:lstStyle/>
-          <a:p>
-            <a:endParaRPr lang="en-GB" dirty="0"/>
+              <a:rPr lang="en-GB" dirty="0"/>
+              <a:t>Search Sub-tree</a:t>
+            </a:r>
           </a:p>
         </p:txBody>
       </p:sp>
     </p:spTree>
+    <p:extLst>
+      <p:ext uri="{BB962C8B-B14F-4D97-AF65-F5344CB8AC3E}">
+        <p14:creationId xmlns:p14="http://schemas.microsoft.com/office/powerpoint/2010/main" val="2748276514"/>
+      </p:ext>
+    </p:extLst>
   </p:cSld>
   <p:clrMapOvr>
     <a:masterClrMapping/>
@@ -7508,29 +7715,77 @@
           <a:bodyPr/>
           <a:lstStyle/>
           <a:p>
-            <a:endParaRPr lang="en-GB"/>
-          </a:p>
-        </p:txBody>
-      </p:sp>
-      <p:sp>
-        <p:nvSpPr>
-          <p:cNvPr id="3" name="Content Placeholder 2"/>
-          <p:cNvSpPr>
-            <a:spLocks noGrp="1"/>
-          </p:cNvSpPr>
-          <p:nvPr>
-            <p:ph sz="quarter" idx="1"/>
-          </p:nvPr>
-        </p:nvSpPr>
-        <p:spPr/>
-        <p:txBody>
-          <a:bodyPr/>
-          <a:lstStyle/>
-          <a:p>
-            <a:endParaRPr lang="en-GB"/>
-          </a:p>
-        </p:txBody>
-      </p:sp>
+            <a:r>
+              <a:rPr lang="en-GB" dirty="0"/>
+              <a:t>Schedule changes </a:t>
+            </a:r>
+            <a:r>
+              <a:rPr lang="en-GB"/>
+              <a:t>and reasoning</a:t>
+            </a:r>
+          </a:p>
+        </p:txBody>
+      </p:sp>
+      <p:pic>
+        <p:nvPicPr>
+          <p:cNvPr id="4" name="Picture 3">
+            <a:extLst>
+              <a:ext uri="{FF2B5EF4-FFF2-40B4-BE49-F238E27FC236}">
+                <a16:creationId xmlns:a16="http://schemas.microsoft.com/office/drawing/2014/main" id="{3C41F3AE-2D97-4051-BD56-64A899E7F50F}"/>
+              </a:ext>
+            </a:extLst>
+          </p:cNvPr>
+          <p:cNvPicPr>
+            <a:picLocks noChangeAspect="1"/>
+          </p:cNvPicPr>
+          <p:nvPr/>
+        </p:nvPicPr>
+        <p:blipFill>
+          <a:blip r:embed="rId3"/>
+          <a:stretch>
+            <a:fillRect/>
+          </a:stretch>
+        </p:blipFill>
+        <p:spPr>
+          <a:xfrm>
+            <a:off x="511885" y="1988840"/>
+            <a:ext cx="4011011" cy="4242174"/>
+          </a:xfrm>
+          <a:prstGeom prst="rect">
+            <a:avLst/>
+          </a:prstGeom>
+        </p:spPr>
+      </p:pic>
+      <p:pic>
+        <p:nvPicPr>
+          <p:cNvPr id="5" name="Picture 4">
+            <a:extLst>
+              <a:ext uri="{FF2B5EF4-FFF2-40B4-BE49-F238E27FC236}">
+                <a16:creationId xmlns:a16="http://schemas.microsoft.com/office/drawing/2014/main" id="{E641E79D-DB11-405A-ABFE-4BBDDBE91D67}"/>
+              </a:ext>
+            </a:extLst>
+          </p:cNvPr>
+          <p:cNvPicPr>
+            <a:picLocks noChangeAspect="1"/>
+          </p:cNvPicPr>
+          <p:nvPr/>
+        </p:nvPicPr>
+        <p:blipFill>
+          <a:blip r:embed="rId4"/>
+          <a:stretch>
+            <a:fillRect/>
+          </a:stretch>
+        </p:blipFill>
+        <p:spPr>
+          <a:xfrm>
+            <a:off x="4621106" y="1988839"/>
+            <a:ext cx="4083885" cy="4242175"/>
+          </a:xfrm>
+          <a:prstGeom prst="rect">
+            <a:avLst/>
+          </a:prstGeom>
+        </p:spPr>
+      </p:pic>
     </p:spTree>
   </p:cSld>
   <p:clrMapOvr>
@@ -7571,29 +7826,45 @@
           <a:bodyPr/>
           <a:lstStyle/>
           <a:p>
-            <a:endParaRPr lang="en-GB"/>
-          </a:p>
-        </p:txBody>
-      </p:sp>
-      <p:sp>
-        <p:nvSpPr>
-          <p:cNvPr id="3" name="Content Placeholder 2"/>
-          <p:cNvSpPr>
-            <a:spLocks noGrp="1"/>
-          </p:cNvSpPr>
+            <a:r>
+              <a:rPr lang="en-GB"/>
+              <a:t>Questions?</a:t>
+            </a:r>
+          </a:p>
+        </p:txBody>
+      </p:sp>
+      <p:pic>
+        <p:nvPicPr>
+          <p:cNvPr id="4" name="Content Placeholder 3">
+            <a:extLst>
+              <a:ext uri="{FF2B5EF4-FFF2-40B4-BE49-F238E27FC236}">
+                <a16:creationId xmlns:a16="http://schemas.microsoft.com/office/drawing/2014/main" id="{B330126C-08BB-4818-B74E-45EEB859DBD1}"/>
+              </a:ext>
+            </a:extLst>
+          </p:cNvPr>
+          <p:cNvPicPr>
+            <a:picLocks noGrp="1" noChangeAspect="1"/>
+          </p:cNvPicPr>
           <p:nvPr>
             <p:ph sz="quarter" idx="1"/>
           </p:nvPr>
-        </p:nvSpPr>
-        <p:spPr/>
-        <p:txBody>
-          <a:bodyPr/>
-          <a:lstStyle/>
-          <a:p>
-            <a:endParaRPr lang="en-GB"/>
-          </a:p>
-        </p:txBody>
-      </p:sp>
+        </p:nvPicPr>
+        <p:blipFill>
+          <a:blip r:embed="rId2"/>
+          <a:stretch>
+            <a:fillRect/>
+          </a:stretch>
+        </p:blipFill>
+        <p:spPr>
+          <a:xfrm>
+            <a:off x="1481931" y="2941637"/>
+            <a:ext cx="6143625" cy="1743075"/>
+          </a:xfrm>
+          <a:prstGeom prst="rect">
+            <a:avLst/>
+          </a:prstGeom>
+        </p:spPr>
+      </p:pic>
     </p:spTree>
   </p:cSld>
   <p:clrMapOvr>

--- a/Paperwork/Guard AI.pptx
+++ b/Paperwork/Guard AI.pptx
@@ -216,7 +216,7 @@
           <a:p>
             <a:fld id="{7E68AF7B-E5C1-46EF-9F89-49D130F0E9AC}" type="datetimeFigureOut">
               <a:rPr lang="en-GB" smtClean="0"/>
-              <a:t>27/02/2018</a:t>
+              <a:t>13/03/2018</a:t>
             </a:fld>
             <a:endParaRPr lang="en-GB"/>
           </a:p>
@@ -522,7 +522,9 @@
         </p:nvSpPr>
         <p:spPr/>
         <p:txBody>
-          <a:bodyPr/>
+          <a:bodyPr>
+            <a:normAutofit fontScale="92500" lnSpcReduction="20000"/>
+          </a:bodyPr>
           <a:lstStyle/>
           <a:p>
             <a:r>
@@ -540,6 +542,130 @@
           </a:p>
           <a:p>
             <a:endParaRPr lang="en-GB" dirty="0"/>
+          </a:p>
+          <a:p>
+            <a:r>
+              <a:rPr lang="en-GB" dirty="0"/>
+              <a:t>Unity: The decision to move away from </a:t>
+            </a:r>
+            <a:r>
+              <a:rPr lang="en-GB" dirty="0" err="1"/>
+              <a:t>Oxygine</a:t>
+            </a:r>
+            <a:r>
+              <a:rPr lang="en-GB" dirty="0"/>
+              <a:t> was made fairly</a:t>
+            </a:r>
+            <a:r>
+              <a:rPr lang="en-GB" baseline="0" dirty="0"/>
+              <a:t> early on, after I had spent approximately 4 weeks trying, and failing, to set </a:t>
+            </a:r>
+            <a:r>
+              <a:rPr lang="en-GB" baseline="0" dirty="0" err="1"/>
+              <a:t>Oxygine</a:t>
+            </a:r>
+            <a:r>
+              <a:rPr lang="en-GB" baseline="0" dirty="0"/>
+              <a:t> up, I realised that spending more time with it would be counter-productive, as even if I could make it work, I would still need to learn its intricacies. Unity was a game engine I knew, and it removed a significant learning curve from this project.</a:t>
+            </a:r>
+            <a:endParaRPr lang="en-GB" dirty="0"/>
+          </a:p>
+          <a:p>
+            <a:endParaRPr lang="en-GB" dirty="0"/>
+          </a:p>
+          <a:p>
+            <a:r>
+              <a:rPr lang="en-GB" dirty="0"/>
+              <a:t>3d: The decision to move to 3D has a number of bonuses,</a:t>
+            </a:r>
+            <a:r>
+              <a:rPr lang="en-GB" baseline="0" dirty="0"/>
+              <a:t> but the primary reason for changing it was for the pathfinding. After a conversation with Chris, he suggested that I remove some of the sub-systems (that were fairly significant) in order to focus on the core of my project, the AI. In addition, it makes my project a lot more portable and useful, since any 3D Unity game that uses the </a:t>
+            </a:r>
+            <a:r>
+              <a:rPr lang="en-GB" baseline="0" dirty="0" err="1"/>
+              <a:t>Navmesh</a:t>
+            </a:r>
+            <a:r>
+              <a:rPr lang="en-GB" baseline="0" dirty="0"/>
+              <a:t> could use it.</a:t>
+            </a:r>
+          </a:p>
+          <a:p>
+            <a:endParaRPr lang="en-GB" baseline="0" dirty="0"/>
+          </a:p>
+          <a:p>
+            <a:r>
+              <a:rPr lang="en-GB" baseline="0" dirty="0"/>
+              <a:t>Behaviour tree: The behaviour tree is the core of this assignment and is therefore what I will focus on before I start anything else.</a:t>
+            </a:r>
+          </a:p>
+          <a:p>
+            <a:endParaRPr lang="en-GB" baseline="0" dirty="0"/>
+          </a:p>
+          <a:p>
+            <a:r>
+              <a:rPr lang="en-GB" baseline="0" dirty="0"/>
+              <a:t>Pathfinding: Unity </a:t>
+            </a:r>
+            <a:r>
+              <a:rPr lang="en-GB" baseline="0" dirty="0" err="1"/>
+              <a:t>navmesh</a:t>
+            </a:r>
+            <a:r>
+              <a:rPr lang="en-GB" baseline="0" dirty="0"/>
+              <a:t> provides a solution to the problem of pathfinding, as well as offering 3D and multi-level levels. This makes my project a lot more versatile, as typically (though not universally) systems like this would be used in 3D games and would be a lot more interesting to potential employers. In addition, </a:t>
+            </a:r>
+            <a:r>
+              <a:rPr lang="en-GB" baseline="0" dirty="0" err="1"/>
+              <a:t>Navmesh</a:t>
+            </a:r>
+            <a:r>
+              <a:rPr lang="en-GB" baseline="0" dirty="0"/>
+              <a:t> can use </a:t>
+            </a:r>
+            <a:r>
+              <a:rPr lang="en-GB" baseline="0" dirty="0" err="1"/>
+              <a:t>NavMesh</a:t>
+            </a:r>
+            <a:r>
+              <a:rPr lang="en-GB" baseline="0" dirty="0"/>
+              <a:t> Obstacles to effectively achieve multi-agent pathfinding, which is a system that I originally wanted </a:t>
+            </a:r>
+            <a:r>
+              <a:rPr lang="en-GB" baseline="0"/>
+              <a:t>to implement.</a:t>
+            </a:r>
+            <a:endParaRPr lang="en-GB" baseline="0" dirty="0"/>
+          </a:p>
+          <a:p>
+            <a:endParaRPr lang="en-GB" baseline="0" dirty="0"/>
+          </a:p>
+          <a:p>
+            <a:r>
+              <a:rPr lang="en-GB" baseline="0" dirty="0" err="1"/>
+              <a:t>Viewcones</a:t>
+            </a:r>
+            <a:r>
+              <a:rPr lang="en-GB" baseline="0" dirty="0"/>
+              <a:t>: I have become very interested in the sight and detection systems used for a stealth AI, more so after watching a GDC talk on how it was handled in </a:t>
+            </a:r>
+            <a:r>
+              <a:rPr lang="en-GB" baseline="0" dirty="0" err="1"/>
+              <a:t>Spliter</a:t>
+            </a:r>
+            <a:r>
+              <a:rPr lang="en-GB" baseline="0" dirty="0"/>
+              <a:t> </a:t>
+            </a:r>
+            <a:r>
+              <a:rPr lang="en-GB" baseline="0" dirty="0" err="1"/>
+              <a:t>Cell:Blacklist</a:t>
+            </a:r>
+            <a:r>
+              <a:rPr lang="en-GB" baseline="0" dirty="0"/>
+              <a:t>. This is a system I will need to implement.</a:t>
+            </a:r>
           </a:p>
           <a:p>
             <a:endParaRPr lang="en-GB" dirty="0"/>
@@ -955,6 +1081,90 @@
 </file>
 
 <file path=ppt/notesSlides/notesSlide5.xml><?xml version="1.0" encoding="utf-8"?>
+<p:notes xmlns:a="http://schemas.openxmlformats.org/drawingml/2006/main" xmlns:r="http://schemas.openxmlformats.org/officeDocument/2006/relationships" xmlns:p="http://schemas.openxmlformats.org/presentationml/2006/main">
+  <p:cSld>
+    <p:spTree>
+      <p:nvGrpSpPr>
+        <p:cNvPr id="1" name=""/>
+        <p:cNvGrpSpPr/>
+        <p:nvPr/>
+      </p:nvGrpSpPr>
+      <p:grpSpPr>
+        <a:xfrm>
+          <a:off x="0" y="0"/>
+          <a:ext cx="0" cy="0"/>
+          <a:chOff x="0" y="0"/>
+          <a:chExt cx="0" cy="0"/>
+        </a:xfrm>
+      </p:grpSpPr>
+      <p:sp>
+        <p:nvSpPr>
+          <p:cNvPr id="2" name="Slide Image Placeholder 1"/>
+          <p:cNvSpPr>
+            <a:spLocks noGrp="1" noRot="1" noChangeAspect="1"/>
+          </p:cNvSpPr>
+          <p:nvPr>
+            <p:ph type="sldImg"/>
+          </p:nvPr>
+        </p:nvSpPr>
+        <p:spPr/>
+      </p:sp>
+      <p:sp>
+        <p:nvSpPr>
+          <p:cNvPr id="3" name="Notes Placeholder 2"/>
+          <p:cNvSpPr>
+            <a:spLocks noGrp="1"/>
+          </p:cNvSpPr>
+          <p:nvPr>
+            <p:ph type="body" idx="1"/>
+          </p:nvPr>
+        </p:nvSpPr>
+        <p:spPr/>
+        <p:txBody>
+          <a:bodyPr/>
+          <a:lstStyle/>
+          <a:p>
+            <a:endParaRPr lang="en-GB" dirty="0"/>
+          </a:p>
+        </p:txBody>
+      </p:sp>
+      <p:sp>
+        <p:nvSpPr>
+          <p:cNvPr id="4" name="Slide Number Placeholder 3"/>
+          <p:cNvSpPr>
+            <a:spLocks noGrp="1"/>
+          </p:cNvSpPr>
+          <p:nvPr>
+            <p:ph type="sldNum" sz="quarter" idx="10"/>
+          </p:nvPr>
+        </p:nvSpPr>
+        <p:spPr/>
+        <p:txBody>
+          <a:bodyPr/>
+          <a:lstStyle/>
+          <a:p>
+            <a:fld id="{ED619BB4-C02E-4ABE-9053-4D57715E5B53}" type="slidenum">
+              <a:rPr lang="en-GB" smtClean="0"/>
+              <a:t>6</a:t>
+            </a:fld>
+            <a:endParaRPr lang="en-GB"/>
+          </a:p>
+        </p:txBody>
+      </p:sp>
+    </p:spTree>
+    <p:extLst>
+      <p:ext uri="{BB962C8B-B14F-4D97-AF65-F5344CB8AC3E}">
+        <p14:creationId xmlns:p14="http://schemas.microsoft.com/office/powerpoint/2010/main" val="3231250498"/>
+      </p:ext>
+    </p:extLst>
+  </p:cSld>
+  <p:clrMapOvr>
+    <a:masterClrMapping/>
+  </p:clrMapOvr>
+</p:notes>
+</file>
+
+<file path=ppt/notesSlides/notesSlide6.xml><?xml version="1.0" encoding="utf-8"?>
 <p:notes xmlns:a="http://schemas.openxmlformats.org/drawingml/2006/main" xmlns:r="http://schemas.openxmlformats.org/officeDocument/2006/relationships" xmlns:p="http://schemas.openxmlformats.org/presentationml/2006/main">
   <p:cSld>
     <p:spTree>
@@ -1352,7 +1562,7 @@
           <a:p>
             <a:fld id="{206CDDE3-3F38-4A2B-A2E9-649C1885500D}" type="datetimeFigureOut">
               <a:rPr lang="en-GB" smtClean="0"/>
-              <a:t>27/02/2018</a:t>
+              <a:t>13/03/2018</a:t>
             </a:fld>
             <a:endParaRPr lang="en-GB"/>
           </a:p>
@@ -1743,7 +1953,7 @@
           <a:p>
             <a:fld id="{206CDDE3-3F38-4A2B-A2E9-649C1885500D}" type="datetimeFigureOut">
               <a:rPr lang="en-GB" smtClean="0"/>
-              <a:t>27/02/2018</a:t>
+              <a:t>13/03/2018</a:t>
             </a:fld>
             <a:endParaRPr lang="en-GB"/>
           </a:p>
@@ -2275,7 +2485,7 @@
           <a:p>
             <a:fld id="{206CDDE3-3F38-4A2B-A2E9-649C1885500D}" type="datetimeFigureOut">
               <a:rPr lang="en-GB" smtClean="0"/>
-              <a:t>27/02/2018</a:t>
+              <a:t>13/03/2018</a:t>
             </a:fld>
             <a:endParaRPr lang="en-GB"/>
           </a:p>
@@ -2406,7 +2616,7 @@
           <a:p>
             <a:fld id="{206CDDE3-3F38-4A2B-A2E9-649C1885500D}" type="datetimeFigureOut">
               <a:rPr lang="en-GB" smtClean="0"/>
-              <a:t>27/02/2018</a:t>
+              <a:t>13/03/2018</a:t>
             </a:fld>
             <a:endParaRPr lang="en-GB"/>
           </a:p>
@@ -2949,7 +3159,7 @@
           <a:p>
             <a:fld id="{206CDDE3-3F38-4A2B-A2E9-649C1885500D}" type="datetimeFigureOut">
               <a:rPr lang="en-GB" smtClean="0"/>
-              <a:t>27/02/2018</a:t>
+              <a:t>13/03/2018</a:t>
             </a:fld>
             <a:endParaRPr lang="en-GB"/>
           </a:p>
@@ -3242,7 +3452,7 @@
           <a:p>
             <a:fld id="{206CDDE3-3F38-4A2B-A2E9-649C1885500D}" type="datetimeFigureOut">
               <a:rPr lang="en-GB" smtClean="0"/>
-              <a:t>27/02/2018</a:t>
+              <a:t>13/03/2018</a:t>
             </a:fld>
             <a:endParaRPr lang="en-GB"/>
           </a:p>
@@ -3901,7 +4111,7 @@
           <a:p>
             <a:fld id="{206CDDE3-3F38-4A2B-A2E9-649C1885500D}" type="datetimeFigureOut">
               <a:rPr lang="en-GB" smtClean="0"/>
-              <a:t>27/02/2018</a:t>
+              <a:t>13/03/2018</a:t>
             </a:fld>
             <a:endParaRPr lang="en-GB"/>
           </a:p>
@@ -4335,7 +4545,7 @@
           <a:p>
             <a:fld id="{206CDDE3-3F38-4A2B-A2E9-649C1885500D}" type="datetimeFigureOut">
               <a:rPr lang="en-GB" smtClean="0"/>
-              <a:t>27/02/2018</a:t>
+              <a:t>13/03/2018</a:t>
             </a:fld>
             <a:endParaRPr lang="en-GB"/>
           </a:p>
@@ -4648,7 +4858,7 @@
           <a:p>
             <a:fld id="{206CDDE3-3F38-4A2B-A2E9-649C1885500D}" type="datetimeFigureOut">
               <a:rPr lang="en-GB" smtClean="0"/>
-              <a:t>27/02/2018</a:t>
+              <a:t>13/03/2018</a:t>
             </a:fld>
             <a:endParaRPr lang="en-GB"/>
           </a:p>
@@ -5379,7 +5589,7 @@
           <a:p>
             <a:fld id="{206CDDE3-3F38-4A2B-A2E9-649C1885500D}" type="datetimeFigureOut">
               <a:rPr lang="en-GB" smtClean="0"/>
-              <a:t>27/02/2018</a:t>
+              <a:t>13/03/2018</a:t>
             </a:fld>
             <a:endParaRPr lang="en-GB"/>
           </a:p>
@@ -6042,7 +6252,7 @@
           <a:p>
             <a:fld id="{206CDDE3-3F38-4A2B-A2E9-649C1885500D}" type="datetimeFigureOut">
               <a:rPr lang="en-GB" smtClean="0"/>
-              <a:t>27/02/2018</a:t>
+              <a:t>13/03/2018</a:t>
             </a:fld>
             <a:endParaRPr lang="en-GB"/>
           </a:p>
@@ -6315,7 +6525,7 @@
           <a:p>
             <a:fld id="{206CDDE3-3F38-4A2B-A2E9-649C1885500D}" type="datetimeFigureOut">
               <a:rPr lang="en-GB" smtClean="0"/>
-              <a:t>27/02/2018</a:t>
+              <a:t>13/03/2018</a:t>
             </a:fld>
             <a:endParaRPr lang="en-GB"/>
           </a:p>
@@ -7070,14 +7280,19 @@
             <p:ph type="title"/>
           </p:nvPr>
         </p:nvSpPr>
-        <p:spPr/>
+        <p:spPr>
+          <a:xfrm>
+            <a:off x="295656" y="228600"/>
+            <a:ext cx="4270248" cy="758952"/>
+          </a:xfrm>
+        </p:spPr>
         <p:txBody>
           <a:bodyPr/>
           <a:lstStyle/>
           <a:p>
             <a:r>
               <a:rPr lang="en-GB" dirty="0"/>
-              <a:t>The Original plan</a:t>
+              <a:t>Original plan</a:t>
             </a:r>
           </a:p>
         </p:txBody>
@@ -7092,9 +7307,16 @@
             <p:ph sz="quarter" idx="1"/>
           </p:nvPr>
         </p:nvSpPr>
-        <p:spPr/>
-        <p:txBody>
-          <a:bodyPr/>
+        <p:spPr>
+          <a:xfrm>
+            <a:off x="301752" y="1527048"/>
+            <a:ext cx="4270248" cy="4572000"/>
+          </a:xfrm>
+        </p:spPr>
+        <p:txBody>
+          <a:bodyPr>
+            <a:normAutofit lnSpcReduction="10000"/>
+          </a:bodyPr>
           <a:lstStyle/>
           <a:p>
             <a:r>
@@ -7149,6 +7371,310 @@
             <a:r>
               <a:rPr lang="en-GB" dirty="0"/>
               <a:t>C++</a:t>
+            </a:r>
+          </a:p>
+        </p:txBody>
+      </p:sp>
+      <p:sp>
+        <p:nvSpPr>
+          <p:cNvPr id="4" name="Content Placeholder 2">
+            <a:extLst>
+              <a:ext uri="{FF2B5EF4-FFF2-40B4-BE49-F238E27FC236}">
+                <a16:creationId xmlns:a16="http://schemas.microsoft.com/office/drawing/2014/main" id="{AD796522-DB74-4AE3-956B-F8B81E8D50AF}"/>
+              </a:ext>
+            </a:extLst>
+          </p:cNvPr>
+          <p:cNvSpPr txBox="1">
+            <a:spLocks/>
+          </p:cNvSpPr>
+          <p:nvPr/>
+        </p:nvSpPr>
+        <p:spPr>
+          <a:xfrm>
+            <a:off x="4568952" y="1527048"/>
+            <a:ext cx="4270248" cy="4572000"/>
+          </a:xfrm>
+          <a:prstGeom prst="rect">
+            <a:avLst/>
+          </a:prstGeom>
+        </p:spPr>
+        <p:txBody>
+          <a:bodyPr vert="horz">
+            <a:normAutofit/>
+          </a:bodyPr>
+          <a:lstStyle>
+            <a:lvl1pPr marL="274320" indent="-274320" algn="l" rtl="0" eaLnBrk="1" latinLnBrk="0" hangingPunct="1">
+              <a:spcBef>
+                <a:spcPct val="20000"/>
+              </a:spcBef>
+              <a:buClr>
+                <a:schemeClr val="accent1"/>
+              </a:buClr>
+              <a:buSzPct val="85000"/>
+              <a:buFont typeface="Wingdings 2"/>
+              <a:buChar char=""/>
+              <a:defRPr kumimoji="0" sz="2700" kern="1200">
+                <a:solidFill>
+                  <a:schemeClr val="tx1"/>
+                </a:solidFill>
+                <a:latin typeface="+mn-lt"/>
+                <a:ea typeface="+mn-ea"/>
+                <a:cs typeface="+mn-cs"/>
+              </a:defRPr>
+            </a:lvl1pPr>
+            <a:lvl2pPr marL="548640" indent="-274320" algn="l" rtl="0" eaLnBrk="1" latinLnBrk="0" hangingPunct="1">
+              <a:spcBef>
+                <a:spcPct val="20000"/>
+              </a:spcBef>
+              <a:buClr>
+                <a:schemeClr val="accent2"/>
+              </a:buClr>
+              <a:buSzPct val="70000"/>
+              <a:buFont typeface="Wingdings"/>
+              <a:buChar char=""/>
+              <a:defRPr kumimoji="0" sz="2200" kern="1200">
+                <a:solidFill>
+                  <a:schemeClr val="tx2"/>
+                </a:solidFill>
+                <a:latin typeface="+mn-lt"/>
+                <a:ea typeface="+mn-ea"/>
+                <a:cs typeface="+mn-cs"/>
+              </a:defRPr>
+            </a:lvl2pPr>
+            <a:lvl3pPr marL="822960" indent="-228600" algn="l" rtl="0" eaLnBrk="1" latinLnBrk="0" hangingPunct="1">
+              <a:spcBef>
+                <a:spcPct val="20000"/>
+              </a:spcBef>
+              <a:buClr>
+                <a:schemeClr val="accent3"/>
+              </a:buClr>
+              <a:buSzPct val="75000"/>
+              <a:buFont typeface="Wingdings 2"/>
+              <a:buChar char=""/>
+              <a:defRPr kumimoji="0" sz="2000" kern="1200">
+                <a:solidFill>
+                  <a:schemeClr val="tx1"/>
+                </a:solidFill>
+                <a:latin typeface="+mn-lt"/>
+                <a:ea typeface="+mn-ea"/>
+                <a:cs typeface="+mn-cs"/>
+              </a:defRPr>
+            </a:lvl3pPr>
+            <a:lvl4pPr marL="1097280" indent="-228600" algn="l" rtl="0" eaLnBrk="1" latinLnBrk="0" hangingPunct="1">
+              <a:spcBef>
+                <a:spcPct val="20000"/>
+              </a:spcBef>
+              <a:buClr>
+                <a:schemeClr val="accent4"/>
+              </a:buClr>
+              <a:buSzPct val="70000"/>
+              <a:buFont typeface="Wingdings"/>
+              <a:buChar char=""/>
+              <a:defRPr kumimoji="0" sz="2000" kern="1200">
+                <a:solidFill>
+                  <a:schemeClr val="tx2"/>
+                </a:solidFill>
+                <a:latin typeface="+mn-lt"/>
+                <a:ea typeface="+mn-ea"/>
+                <a:cs typeface="+mn-cs"/>
+              </a:defRPr>
+            </a:lvl4pPr>
+            <a:lvl5pPr marL="1371600" indent="-228600" algn="l" rtl="0" eaLnBrk="1" latinLnBrk="0" hangingPunct="1">
+              <a:spcBef>
+                <a:spcPct val="20000"/>
+              </a:spcBef>
+              <a:buClr>
+                <a:schemeClr val="accent5"/>
+              </a:buClr>
+              <a:buFontTx/>
+              <a:buChar char="•"/>
+              <a:defRPr kumimoji="0" sz="1800" kern="1200">
+                <a:solidFill>
+                  <a:schemeClr val="tx1"/>
+                </a:solidFill>
+                <a:latin typeface="+mn-lt"/>
+                <a:ea typeface="+mn-ea"/>
+                <a:cs typeface="+mn-cs"/>
+              </a:defRPr>
+            </a:lvl5pPr>
+            <a:lvl6pPr marL="1645920" indent="-182880" algn="l" rtl="0" eaLnBrk="1" latinLnBrk="0" hangingPunct="1">
+              <a:spcBef>
+                <a:spcPct val="20000"/>
+              </a:spcBef>
+              <a:buClr>
+                <a:schemeClr val="accent6"/>
+              </a:buClr>
+              <a:buSzPct val="80000"/>
+              <a:buFont typeface="Wingdings 2"/>
+              <a:buChar char=""/>
+              <a:defRPr kumimoji="0" sz="1800" kern="1200">
+                <a:solidFill>
+                  <a:schemeClr val="tx1"/>
+                </a:solidFill>
+                <a:latin typeface="+mn-lt"/>
+                <a:ea typeface="+mn-ea"/>
+                <a:cs typeface="+mn-cs"/>
+              </a:defRPr>
+            </a:lvl6pPr>
+            <a:lvl7pPr marL="1920240" indent="-182880" algn="l" rtl="0" eaLnBrk="1" latinLnBrk="0" hangingPunct="1">
+              <a:spcBef>
+                <a:spcPct val="20000"/>
+              </a:spcBef>
+              <a:buClr>
+                <a:schemeClr val="accent1">
+                  <a:shade val="75000"/>
+                </a:schemeClr>
+              </a:buClr>
+              <a:buSzPct val="90000"/>
+              <a:buChar char="•"/>
+              <a:defRPr kumimoji="0" sz="1600" kern="1200" baseline="0">
+                <a:solidFill>
+                  <a:schemeClr val="tx1"/>
+                </a:solidFill>
+                <a:latin typeface="+mn-lt"/>
+                <a:ea typeface="+mn-ea"/>
+                <a:cs typeface="+mn-cs"/>
+              </a:defRPr>
+            </a:lvl7pPr>
+            <a:lvl8pPr marL="2103120" indent="-182880" algn="l" rtl="0" eaLnBrk="1" latinLnBrk="0" hangingPunct="1">
+              <a:spcBef>
+                <a:spcPct val="20000"/>
+              </a:spcBef>
+              <a:buClr>
+                <a:schemeClr val="accent4">
+                  <a:shade val="75000"/>
+                </a:schemeClr>
+              </a:buClr>
+              <a:buChar char="•"/>
+              <a:defRPr kumimoji="0" sz="1600" kern="1200">
+                <a:solidFill>
+                  <a:schemeClr val="tx1"/>
+                </a:solidFill>
+                <a:latin typeface="+mn-lt"/>
+                <a:ea typeface="+mn-ea"/>
+                <a:cs typeface="+mn-cs"/>
+              </a:defRPr>
+            </a:lvl8pPr>
+            <a:lvl9pPr marL="2377440" indent="-182880" algn="l" rtl="0" eaLnBrk="1" latinLnBrk="0" hangingPunct="1">
+              <a:spcBef>
+                <a:spcPct val="20000"/>
+              </a:spcBef>
+              <a:buClr>
+                <a:schemeClr val="accent2">
+                  <a:shade val="75000"/>
+                </a:schemeClr>
+              </a:buClr>
+              <a:buSzPct val="90000"/>
+              <a:buChar char="•"/>
+              <a:defRPr kumimoji="0" sz="1400" kern="1200" cap="all" baseline="0">
+                <a:solidFill>
+                  <a:schemeClr val="tx1"/>
+                </a:solidFill>
+                <a:latin typeface="+mn-lt"/>
+                <a:ea typeface="+mn-ea"/>
+                <a:cs typeface="+mn-cs"/>
+              </a:defRPr>
+            </a:lvl9pPr>
+          </a:lstStyle>
+          <a:p>
+            <a:r>
+              <a:rPr lang="en-GB" dirty="0"/>
+              <a:t>Unity</a:t>
+            </a:r>
+          </a:p>
+          <a:p>
+            <a:r>
+              <a:rPr lang="en-GB" dirty="0"/>
+              <a:t>3D</a:t>
+            </a:r>
+          </a:p>
+          <a:p>
+            <a:r>
+              <a:rPr lang="en-GB" dirty="0"/>
+              <a:t>Supporting Systems:</a:t>
+            </a:r>
+          </a:p>
+          <a:p>
+            <a:pPr lvl="1"/>
+            <a:r>
+              <a:rPr lang="en-GB" dirty="0"/>
+              <a:t>Behaviour tree</a:t>
+            </a:r>
+          </a:p>
+          <a:p>
+            <a:pPr lvl="1"/>
+            <a:r>
+              <a:rPr lang="en-GB" dirty="0"/>
+              <a:t>Pathfinding: Unity </a:t>
+            </a:r>
+            <a:r>
+              <a:rPr lang="en-GB" dirty="0" err="1"/>
+              <a:t>Navmesh</a:t>
+            </a:r>
+            <a:endParaRPr lang="en-GB" dirty="0"/>
+          </a:p>
+          <a:p>
+            <a:pPr lvl="1"/>
+            <a:r>
+              <a:rPr lang="en-GB" dirty="0" err="1"/>
+              <a:t>Viewcones</a:t>
+            </a:r>
+            <a:r>
+              <a:rPr lang="en-GB" dirty="0"/>
+              <a:t>/detection system</a:t>
+            </a:r>
+          </a:p>
+        </p:txBody>
+      </p:sp>
+      <p:sp>
+        <p:nvSpPr>
+          <p:cNvPr id="5" name="Title 1">
+            <a:extLst>
+              <a:ext uri="{FF2B5EF4-FFF2-40B4-BE49-F238E27FC236}">
+                <a16:creationId xmlns:a16="http://schemas.microsoft.com/office/drawing/2014/main" id="{757C66B9-99B3-4E65-931E-00612B43080D}"/>
+              </a:ext>
+            </a:extLst>
+          </p:cNvPr>
+          <p:cNvSpPr txBox="1">
+            <a:spLocks/>
+          </p:cNvSpPr>
+          <p:nvPr/>
+        </p:nvSpPr>
+        <p:spPr>
+          <a:xfrm>
+            <a:off x="4565904" y="228600"/>
+            <a:ext cx="4270248" cy="758952"/>
+          </a:xfrm>
+          <a:prstGeom prst="rect">
+            <a:avLst/>
+          </a:prstGeom>
+        </p:spPr>
+        <p:txBody>
+          <a:bodyPr vert="horz" anchor="b">
+            <a:normAutofit/>
+          </a:bodyPr>
+          <a:lstStyle>
+            <a:lvl1pPr algn="ctr" rtl="0" eaLnBrk="1" latinLnBrk="0" hangingPunct="1">
+              <a:spcBef>
+                <a:spcPct val="0"/>
+              </a:spcBef>
+              <a:buNone/>
+              <a:defRPr kumimoji="0" sz="3300" kern="1200">
+                <a:solidFill>
+                  <a:schemeClr val="accent3">
+                    <a:shade val="75000"/>
+                  </a:schemeClr>
+                </a:solidFill>
+                <a:latin typeface="+mj-lt"/>
+                <a:ea typeface="+mj-ea"/>
+                <a:cs typeface="+mj-cs"/>
+              </a:defRPr>
+            </a:lvl1pPr>
+          </a:lstStyle>
+          <a:p>
+            <a:r>
+              <a:rPr lang="en-GB" dirty="0"/>
+              <a:t>New Plan</a:t>
             </a:r>
           </a:p>
         </p:txBody>
@@ -7572,7 +8098,7 @@
           <p:nvPr/>
         </p:nvPicPr>
         <p:blipFill>
-          <a:blip r:embed="rId2"/>
+          <a:blip r:embed="rId3"/>
           <a:stretch>
             <a:fillRect/>
           </a:stretch>

--- a/Paperwork/Guard AI.pptx
+++ b/Paperwork/Guard AI.pptx
@@ -10,12 +10,12 @@
   <p:sldIdLst>
     <p:sldId id="256" r:id="rId2"/>
     <p:sldId id="257" r:id="rId3"/>
-    <p:sldId id="258" r:id="rId4"/>
-    <p:sldId id="259" r:id="rId5"/>
-    <p:sldId id="262" r:id="rId6"/>
-    <p:sldId id="263" r:id="rId7"/>
-    <p:sldId id="267" r:id="rId8"/>
-    <p:sldId id="264" r:id="rId9"/>
+    <p:sldId id="259" r:id="rId4"/>
+    <p:sldId id="262" r:id="rId5"/>
+    <p:sldId id="263" r:id="rId6"/>
+    <p:sldId id="267" r:id="rId7"/>
+    <p:sldId id="264" r:id="rId8"/>
+    <p:sldId id="268" r:id="rId9"/>
     <p:sldId id="265" r:id="rId10"/>
   </p:sldIdLst>
   <p:sldSz cx="9144000" cy="6858000" type="screen4x3"/>
@@ -216,7 +216,7 @@
           <a:p>
             <a:fld id="{7E68AF7B-E5C1-46EF-9F89-49D130F0E9AC}" type="datetimeFigureOut">
               <a:rPr lang="en-GB" smtClean="0"/>
-              <a:t>13/03/2018</a:t>
+              <a:t>14/03/2018</a:t>
             </a:fld>
             <a:endParaRPr lang="en-GB"/>
           </a:p>
@@ -749,131 +749,12 @@
         </p:nvSpPr>
         <p:spPr/>
         <p:txBody>
-          <a:bodyPr>
-            <a:normAutofit lnSpcReduction="10000"/>
-          </a:bodyPr>
+          <a:bodyPr/>
           <a:lstStyle/>
           <a:p>
             <a:r>
               <a:rPr lang="en-GB" dirty="0"/>
-              <a:t>Unity: The decision to move away from </a:t>
-            </a:r>
-            <a:r>
-              <a:rPr lang="en-GB" dirty="0" err="1"/>
-              <a:t>Oxygine</a:t>
-            </a:r>
-            <a:r>
-              <a:rPr lang="en-GB" dirty="0"/>
-              <a:t> was made fairly</a:t>
-            </a:r>
-            <a:r>
-              <a:rPr lang="en-GB" baseline="0" dirty="0"/>
-              <a:t> early on, after I had spent approximately 4 weeks trying, and failing, to set </a:t>
-            </a:r>
-            <a:r>
-              <a:rPr lang="en-GB" baseline="0" dirty="0" err="1"/>
-              <a:t>Oxygine</a:t>
-            </a:r>
-            <a:r>
-              <a:rPr lang="en-GB" baseline="0" dirty="0"/>
-              <a:t> up, I realised that spending more time with it would be counter-productive, as even if I could make it work, I would still need to learn its intricacies. Unity was a game engine I knew, and it removed a significant learning curve from this project.</a:t>
-            </a:r>
-            <a:endParaRPr lang="en-GB" dirty="0"/>
-          </a:p>
-          <a:p>
-            <a:endParaRPr lang="en-GB" dirty="0"/>
-          </a:p>
-          <a:p>
-            <a:r>
-              <a:rPr lang="en-GB" dirty="0"/>
-              <a:t>3d: The decision to move to 3D has a number of bonuses,</a:t>
-            </a:r>
-            <a:r>
-              <a:rPr lang="en-GB" baseline="0" dirty="0"/>
-              <a:t> but the primary reason for changing it was for the </a:t>
-            </a:r>
-            <a:r>
-              <a:rPr lang="en-GB" baseline="0" dirty="0" err="1"/>
-              <a:t>pathfinding</a:t>
-            </a:r>
-            <a:r>
-              <a:rPr lang="en-GB" baseline="0" dirty="0"/>
-              <a:t>. After a conversation with Chris, he suggested that I remove some of the sub-systems (that were fairly significant) in order to focus on the core of my project, the AI. In addition, it makes my project a lot more portable and useful, since any 3D Unity game that uses the </a:t>
-            </a:r>
-            <a:r>
-              <a:rPr lang="en-GB" baseline="0" dirty="0" err="1"/>
-              <a:t>Navmesh</a:t>
-            </a:r>
-            <a:r>
-              <a:rPr lang="en-GB" baseline="0" dirty="0"/>
-              <a:t> could use it.</a:t>
-            </a:r>
-          </a:p>
-          <a:p>
-            <a:endParaRPr lang="en-GB" baseline="0" dirty="0"/>
-          </a:p>
-          <a:p>
-            <a:r>
-              <a:rPr lang="en-GB" baseline="0" dirty="0"/>
-              <a:t>Behaviour tree: The behaviour tree is the core of this assignment and is therefore what I will focus on before I start anything else.</a:t>
-            </a:r>
-          </a:p>
-          <a:p>
-            <a:endParaRPr lang="en-GB" baseline="0" dirty="0"/>
-          </a:p>
-          <a:p>
-            <a:r>
-              <a:rPr lang="en-GB" baseline="0" dirty="0" err="1"/>
-              <a:t>Pathfinding</a:t>
-            </a:r>
-            <a:r>
-              <a:rPr lang="en-GB" baseline="0" dirty="0"/>
-              <a:t>: Unity </a:t>
-            </a:r>
-            <a:r>
-              <a:rPr lang="en-GB" baseline="0" dirty="0" err="1"/>
-              <a:t>navmesh</a:t>
-            </a:r>
-            <a:r>
-              <a:rPr lang="en-GB" baseline="0" dirty="0"/>
-              <a:t> provides a solution to the problem of </a:t>
-            </a:r>
-            <a:r>
-              <a:rPr lang="en-GB" baseline="0" dirty="0" err="1"/>
-              <a:t>pathfinding</a:t>
-            </a:r>
-            <a:r>
-              <a:rPr lang="en-GB" baseline="0" dirty="0"/>
-              <a:t>, as well as offering 3D and multi-level levels. This makes my project a lot more versatile, as typically (though not universally) systems like this would be used in 3D games and would be a lot more useful to potential employers.</a:t>
-            </a:r>
-          </a:p>
-          <a:p>
-            <a:endParaRPr lang="en-GB" baseline="0" dirty="0"/>
-          </a:p>
-          <a:p>
-            <a:r>
-              <a:rPr lang="en-GB" baseline="0" dirty="0" err="1"/>
-              <a:t>Viewcones</a:t>
-            </a:r>
-            <a:r>
-              <a:rPr lang="en-GB" baseline="0" dirty="0"/>
-              <a:t>: I have become very interested in the sight and detection systems used for a stealth AI, more so after watching a GDC talk on how it was handled in </a:t>
-            </a:r>
-            <a:r>
-              <a:rPr lang="en-GB" baseline="0" dirty="0" err="1"/>
-              <a:t>Spliter</a:t>
-            </a:r>
-            <a:r>
-              <a:rPr lang="en-GB" baseline="0" dirty="0"/>
-              <a:t> </a:t>
-            </a:r>
-            <a:r>
-              <a:rPr lang="en-GB" baseline="0" dirty="0" err="1"/>
-              <a:t>Cell:Blacklist</a:t>
-            </a:r>
-            <a:r>
-              <a:rPr lang="en-GB" baseline="0" dirty="0"/>
-              <a:t>. I will need to add this system in, and unlike the previous subsystems, should be easy to implement.</a:t>
+              <a:t>These are the nodes I currently have implemented, these are all structural and can be reused.</a:t>
             </a:r>
           </a:p>
         </p:txBody>
@@ -902,6 +783,11 @@
         </p:txBody>
       </p:sp>
     </p:spTree>
+    <p:extLst>
+      <p:ext uri="{BB962C8B-B14F-4D97-AF65-F5344CB8AC3E}">
+        <p14:creationId xmlns:p14="http://schemas.microsoft.com/office/powerpoint/2010/main" val="1219770551"/>
+      </p:ext>
+    </p:extLst>
   </p:cSld>
   <p:clrMapOvr>
     <a:masterClrMapping/>
@@ -950,12 +836,14 @@
         </p:nvSpPr>
         <p:spPr/>
         <p:txBody>
-          <a:bodyPr/>
+          <a:bodyPr>
+            <a:normAutofit/>
+          </a:bodyPr>
           <a:lstStyle/>
           <a:p>
             <a:r>
               <a:rPr lang="en-GB" dirty="0"/>
-              <a:t>These are the nodes I currently have implemented, these are all structural and can be reused.</a:t>
+              <a:t>I have split up the sections my behaviour tree needs to have in order to create an interesting AI. You can see here that I have prioritised them, I will be working on the Player Spotted behaviour first, and then working my way down the list.</a:t>
             </a:r>
           </a:p>
         </p:txBody>
@@ -984,11 +872,6 @@
         </p:txBody>
       </p:sp>
     </p:spTree>
-    <p:extLst>
-      <p:ext uri="{BB962C8B-B14F-4D97-AF65-F5344CB8AC3E}">
-        <p14:creationId xmlns:p14="http://schemas.microsoft.com/office/powerpoint/2010/main" val="1219770551"/>
-      </p:ext>
-    </p:extLst>
   </p:cSld>
   <p:clrMapOvr>
     <a:masterClrMapping/>
@@ -1037,14 +920,42 @@
         </p:nvSpPr>
         <p:spPr/>
         <p:txBody>
-          <a:bodyPr>
-            <a:normAutofit/>
-          </a:bodyPr>
+          <a:bodyPr/>
           <a:lstStyle/>
           <a:p>
             <a:r>
               <a:rPr lang="en-GB" dirty="0"/>
-              <a:t>I have split up the sections my behaviour tree needs to have in order to create an interesting AI. You can see here that I have prioritised them, I will be working on the Player Spotted behaviour first, and then working my way down the list.</a:t>
+              <a:t>Here is my plan for when a guard spots the player,</a:t>
+            </a:r>
+          </a:p>
+          <a:p>
+            <a:r>
+              <a:rPr lang="en-GB" dirty="0"/>
+              <a:t>They check if the player has been detected, If not then the node returns false and the sequence fails, and then moves on to the next sub-tree.</a:t>
+            </a:r>
+          </a:p>
+          <a:p>
+            <a:r>
+              <a:rPr lang="en-GB" dirty="0"/>
+              <a:t>If the player has been spotted, the blackboard is updated with the player’s position.</a:t>
+            </a:r>
+          </a:p>
+          <a:p>
+            <a:r>
+              <a:rPr lang="en-GB" dirty="0"/>
+              <a:t>Then there is a sub tree that works out if the guard has a melee weapon and if they do, to move to the players position.</a:t>
+            </a:r>
+          </a:p>
+          <a:p>
+            <a:r>
+              <a:rPr lang="en-GB" dirty="0"/>
+              <a:t>Then they check if their attacks are on cooldown and attacks them.</a:t>
+            </a:r>
+          </a:p>
+          <a:p>
+            <a:r>
+              <a:rPr lang="en-GB" dirty="0"/>
+              <a:t>I should probably check if the player is in range here.</a:t>
             </a:r>
           </a:p>
         </p:txBody>
@@ -1073,6 +984,11 @@
         </p:txBody>
       </p:sp>
     </p:spTree>
+    <p:extLst>
+      <p:ext uri="{BB962C8B-B14F-4D97-AF65-F5344CB8AC3E}">
+        <p14:creationId xmlns:p14="http://schemas.microsoft.com/office/powerpoint/2010/main" val="3231250498"/>
+      </p:ext>
+    </p:extLst>
   </p:cSld>
   <p:clrMapOvr>
     <a:masterClrMapping/>
@@ -1124,7 +1040,10 @@
           <a:bodyPr/>
           <a:lstStyle/>
           <a:p>
-            <a:endParaRPr lang="en-GB" dirty="0"/>
+            <a:r>
+              <a:rPr lang="en-GB" dirty="0"/>
+              <a:t>Here we have the search sub-tree, where the guard checks if it is still alert, then checks if the player has been detected, explores the area and then reduces the alertness level by 1.</a:t>
+            </a:r>
           </a:p>
         </p:txBody>
       </p:sp>
@@ -1154,7 +1073,7 @@
     </p:spTree>
     <p:extLst>
       <p:ext uri="{BB962C8B-B14F-4D97-AF65-F5344CB8AC3E}">
-        <p14:creationId xmlns:p14="http://schemas.microsoft.com/office/powerpoint/2010/main" val="3231250498"/>
+        <p14:creationId xmlns:p14="http://schemas.microsoft.com/office/powerpoint/2010/main" val="2864056085"/>
       </p:ext>
     </p:extLst>
   </p:cSld>
@@ -1264,7 +1183,7 @@
           <a:p>
             <a:fld id="{ED619BB4-C02E-4ABE-9053-4D57715E5B53}" type="slidenum">
               <a:rPr lang="en-GB" smtClean="0"/>
-              <a:t>8</a:t>
+              <a:t>7</a:t>
             </a:fld>
             <a:endParaRPr lang="en-GB"/>
           </a:p>
@@ -1274,6 +1193,114 @@
     <p:extLst>
       <p:ext uri="{BB962C8B-B14F-4D97-AF65-F5344CB8AC3E}">
         <p14:creationId xmlns:p14="http://schemas.microsoft.com/office/powerpoint/2010/main" val="1065812620"/>
+      </p:ext>
+    </p:extLst>
+  </p:cSld>
+  <p:clrMapOvr>
+    <a:masterClrMapping/>
+  </p:clrMapOvr>
+</p:notes>
+</file>
+
+<file path=ppt/notesSlides/notesSlide7.xml><?xml version="1.0" encoding="utf-8"?>
+<p:notes xmlns:a="http://schemas.openxmlformats.org/drawingml/2006/main" xmlns:r="http://schemas.openxmlformats.org/officeDocument/2006/relationships" xmlns:p="http://schemas.openxmlformats.org/presentationml/2006/main">
+  <p:cSld>
+    <p:spTree>
+      <p:nvGrpSpPr>
+        <p:cNvPr id="1" name=""/>
+        <p:cNvGrpSpPr/>
+        <p:nvPr/>
+      </p:nvGrpSpPr>
+      <p:grpSpPr>
+        <a:xfrm>
+          <a:off x="0" y="0"/>
+          <a:ext cx="0" cy="0"/>
+          <a:chOff x="0" y="0"/>
+          <a:chExt cx="0" cy="0"/>
+        </a:xfrm>
+      </p:grpSpPr>
+      <p:sp>
+        <p:nvSpPr>
+          <p:cNvPr id="2" name="Slide Image Placeholder 1"/>
+          <p:cNvSpPr>
+            <a:spLocks noGrp="1" noRot="1" noChangeAspect="1"/>
+          </p:cNvSpPr>
+          <p:nvPr>
+            <p:ph type="sldImg"/>
+          </p:nvPr>
+        </p:nvSpPr>
+        <p:spPr/>
+      </p:sp>
+      <p:sp>
+        <p:nvSpPr>
+          <p:cNvPr id="3" name="Notes Placeholder 2"/>
+          <p:cNvSpPr>
+            <a:spLocks noGrp="1"/>
+          </p:cNvSpPr>
+          <p:nvPr>
+            <p:ph type="body" idx="1"/>
+          </p:nvPr>
+        </p:nvSpPr>
+        <p:spPr/>
+        <p:txBody>
+          <a:bodyPr/>
+          <a:lstStyle/>
+          <a:p>
+            <a:r>
+              <a:rPr lang="en-GB" dirty="0"/>
+              <a:t>During the last two weeks I have created a sample level and used Unity’s </a:t>
+            </a:r>
+            <a:r>
+              <a:rPr lang="en-GB" dirty="0" err="1"/>
+              <a:t>Navmesh</a:t>
+            </a:r>
+            <a:r>
+              <a:rPr lang="en-GB" dirty="0"/>
+              <a:t>, getting used to how the movement works with it. My next step is to create a </a:t>
+            </a:r>
+            <a:r>
+              <a:rPr lang="en-GB" dirty="0" err="1"/>
+              <a:t>viewcone</a:t>
+            </a:r>
+            <a:r>
+              <a:rPr lang="en-GB" dirty="0"/>
+              <a:t> so that my guards can actually detect when a player is in sight, then from there I will start creating my nodes, starting with the </a:t>
+            </a:r>
+            <a:r>
+              <a:rPr lang="en-GB"/>
+              <a:t>player spotted node.</a:t>
+            </a:r>
+            <a:endParaRPr lang="en-GB" dirty="0"/>
+          </a:p>
+        </p:txBody>
+      </p:sp>
+      <p:sp>
+        <p:nvSpPr>
+          <p:cNvPr id="4" name="Slide Number Placeholder 3"/>
+          <p:cNvSpPr>
+            <a:spLocks noGrp="1"/>
+          </p:cNvSpPr>
+          <p:nvPr>
+            <p:ph type="sldNum" sz="quarter" idx="10"/>
+          </p:nvPr>
+        </p:nvSpPr>
+        <p:spPr/>
+        <p:txBody>
+          <a:bodyPr/>
+          <a:lstStyle/>
+          <a:p>
+            <a:fld id="{ED619BB4-C02E-4ABE-9053-4D57715E5B53}" type="slidenum">
+              <a:rPr lang="en-GB" smtClean="0"/>
+              <a:t>8</a:t>
+            </a:fld>
+            <a:endParaRPr lang="en-GB"/>
+          </a:p>
+        </p:txBody>
+      </p:sp>
+    </p:spTree>
+    <p:extLst>
+      <p:ext uri="{BB962C8B-B14F-4D97-AF65-F5344CB8AC3E}">
+        <p14:creationId xmlns:p14="http://schemas.microsoft.com/office/powerpoint/2010/main" val="2242656652"/>
       </p:ext>
     </p:extLst>
   </p:cSld>
@@ -1562,7 +1589,7 @@
           <a:p>
             <a:fld id="{206CDDE3-3F38-4A2B-A2E9-649C1885500D}" type="datetimeFigureOut">
               <a:rPr lang="en-GB" smtClean="0"/>
-              <a:t>13/03/2018</a:t>
+              <a:t>14/03/2018</a:t>
             </a:fld>
             <a:endParaRPr lang="en-GB"/>
           </a:p>
@@ -1953,7 +1980,7 @@
           <a:p>
             <a:fld id="{206CDDE3-3F38-4A2B-A2E9-649C1885500D}" type="datetimeFigureOut">
               <a:rPr lang="en-GB" smtClean="0"/>
-              <a:t>13/03/2018</a:t>
+              <a:t>14/03/2018</a:t>
             </a:fld>
             <a:endParaRPr lang="en-GB"/>
           </a:p>
@@ -2485,7 +2512,7 @@
           <a:p>
             <a:fld id="{206CDDE3-3F38-4A2B-A2E9-649C1885500D}" type="datetimeFigureOut">
               <a:rPr lang="en-GB" smtClean="0"/>
-              <a:t>13/03/2018</a:t>
+              <a:t>14/03/2018</a:t>
             </a:fld>
             <a:endParaRPr lang="en-GB"/>
           </a:p>
@@ -2616,7 +2643,7 @@
           <a:p>
             <a:fld id="{206CDDE3-3F38-4A2B-A2E9-649C1885500D}" type="datetimeFigureOut">
               <a:rPr lang="en-GB" smtClean="0"/>
-              <a:t>13/03/2018</a:t>
+              <a:t>14/03/2018</a:t>
             </a:fld>
             <a:endParaRPr lang="en-GB"/>
           </a:p>
@@ -3159,7 +3186,7 @@
           <a:p>
             <a:fld id="{206CDDE3-3F38-4A2B-A2E9-649C1885500D}" type="datetimeFigureOut">
               <a:rPr lang="en-GB" smtClean="0"/>
-              <a:t>13/03/2018</a:t>
+              <a:t>14/03/2018</a:t>
             </a:fld>
             <a:endParaRPr lang="en-GB"/>
           </a:p>
@@ -3452,7 +3479,7 @@
           <a:p>
             <a:fld id="{206CDDE3-3F38-4A2B-A2E9-649C1885500D}" type="datetimeFigureOut">
               <a:rPr lang="en-GB" smtClean="0"/>
-              <a:t>13/03/2018</a:t>
+              <a:t>14/03/2018</a:t>
             </a:fld>
             <a:endParaRPr lang="en-GB"/>
           </a:p>
@@ -4111,7 +4138,7 @@
           <a:p>
             <a:fld id="{206CDDE3-3F38-4A2B-A2E9-649C1885500D}" type="datetimeFigureOut">
               <a:rPr lang="en-GB" smtClean="0"/>
-              <a:t>13/03/2018</a:t>
+              <a:t>14/03/2018</a:t>
             </a:fld>
             <a:endParaRPr lang="en-GB"/>
           </a:p>
@@ -4545,7 +4572,7 @@
           <a:p>
             <a:fld id="{206CDDE3-3F38-4A2B-A2E9-649C1885500D}" type="datetimeFigureOut">
               <a:rPr lang="en-GB" smtClean="0"/>
-              <a:t>13/03/2018</a:t>
+              <a:t>14/03/2018</a:t>
             </a:fld>
             <a:endParaRPr lang="en-GB"/>
           </a:p>
@@ -4858,7 +4885,7 @@
           <a:p>
             <a:fld id="{206CDDE3-3F38-4A2B-A2E9-649C1885500D}" type="datetimeFigureOut">
               <a:rPr lang="en-GB" smtClean="0"/>
-              <a:t>13/03/2018</a:t>
+              <a:t>14/03/2018</a:t>
             </a:fld>
             <a:endParaRPr lang="en-GB"/>
           </a:p>
@@ -5589,7 +5616,7 @@
           <a:p>
             <a:fld id="{206CDDE3-3F38-4A2B-A2E9-649C1885500D}" type="datetimeFigureOut">
               <a:rPr lang="en-GB" smtClean="0"/>
-              <a:t>13/03/2018</a:t>
+              <a:t>14/03/2018</a:t>
             </a:fld>
             <a:endParaRPr lang="en-GB"/>
           </a:p>
@@ -6252,7 +6279,7 @@
           <a:p>
             <a:fld id="{206CDDE3-3F38-4A2B-A2E9-649C1885500D}" type="datetimeFigureOut">
               <a:rPr lang="en-GB" smtClean="0"/>
-              <a:t>13/03/2018</a:t>
+              <a:t>14/03/2018</a:t>
             </a:fld>
             <a:endParaRPr lang="en-GB"/>
           </a:p>
@@ -6525,7 +6552,7 @@
           <a:p>
             <a:fld id="{206CDDE3-3F38-4A2B-A2E9-649C1885500D}" type="datetimeFigureOut">
               <a:rPr lang="en-GB" smtClean="0"/>
-              <a:t>13/03/2018</a:t>
+              <a:t>14/03/2018</a:t>
             </a:fld>
             <a:endParaRPr lang="en-GB"/>
           </a:p>
@@ -7721,7 +7748,7 @@
           <a:p>
             <a:r>
               <a:rPr lang="en-GB" dirty="0"/>
-              <a:t>The New Plan</a:t>
+              <a:t>Currently implemented</a:t>
             </a:r>
           </a:p>
         </p:txBody>
@@ -7743,53 +7770,50 @@
           <a:p>
             <a:r>
               <a:rPr lang="en-GB" dirty="0"/>
-              <a:t>Unity</a:t>
-            </a:r>
-          </a:p>
-          <a:p>
+              <a:t>Composites:</a:t>
+            </a:r>
+          </a:p>
+          <a:p>
+            <a:pPr lvl="1"/>
             <a:r>
               <a:rPr lang="en-GB" dirty="0"/>
-              <a:t>3D</a:t>
-            </a:r>
-          </a:p>
-          <a:p>
+              <a:t>Selector</a:t>
+            </a:r>
+          </a:p>
+          <a:p>
+            <a:pPr lvl="1"/>
             <a:r>
               <a:rPr lang="en-GB" dirty="0"/>
-              <a:t>Supporting Systems:</a:t>
+              <a:t>Sequence</a:t>
+            </a:r>
+          </a:p>
+          <a:p>
+            <a:r>
+              <a:rPr lang="en-GB" dirty="0"/>
+              <a:t>Decorators:</a:t>
             </a:r>
           </a:p>
           <a:p>
             <a:pPr lvl="1"/>
             <a:r>
+              <a:rPr lang="en-GB" dirty="0" err="1"/>
+              <a:t>Succeeder</a:t>
+            </a:r>
+            <a:endParaRPr lang="en-GB" dirty="0"/>
+          </a:p>
+          <a:p>
+            <a:pPr lvl="1"/>
+            <a:r>
+              <a:rPr lang="en-GB" dirty="0" err="1"/>
+              <a:t>Failer</a:t>
+            </a:r>
+            <a:endParaRPr lang="en-GB" dirty="0"/>
+          </a:p>
+          <a:p>
+            <a:pPr lvl="1"/>
+            <a:r>
               <a:rPr lang="en-GB" dirty="0"/>
-              <a:t>Behaviour tree</a:t>
-            </a:r>
-          </a:p>
-          <a:p>
-            <a:pPr lvl="1"/>
-            <a:r>
-              <a:rPr lang="en-GB" dirty="0" err="1"/>
-              <a:t>Pathfinding</a:t>
-            </a:r>
-            <a:r>
-              <a:rPr lang="en-GB" dirty="0"/>
-              <a:t>: Unity </a:t>
-            </a:r>
-            <a:r>
-              <a:rPr lang="en-GB" dirty="0" err="1"/>
-              <a:t>Navmesh</a:t>
-            </a:r>
-            <a:endParaRPr lang="en-GB" dirty="0"/>
-          </a:p>
-          <a:p>
-            <a:pPr lvl="1"/>
-            <a:r>
-              <a:rPr lang="en-GB" dirty="0" err="1"/>
-              <a:t>Viewcones</a:t>
-            </a:r>
-            <a:r>
-              <a:rPr lang="en-GB" dirty="0"/>
-              <a:t>/detection system</a:t>
+              <a:t>Repeater</a:t>
             </a:r>
           </a:p>
         </p:txBody>
@@ -7836,7 +7860,7 @@
           <a:p>
             <a:r>
               <a:rPr lang="en-GB" dirty="0"/>
-              <a:t>Currently implemented</a:t>
+              <a:t>Behaviour tree plan</a:t>
             </a:r>
           </a:p>
         </p:txBody>
@@ -7858,50 +7882,68 @@
           <a:p>
             <a:r>
               <a:rPr lang="en-GB" dirty="0"/>
-              <a:t>Composites:</a:t>
+              <a:t>Priority behaviour sections</a:t>
             </a:r>
           </a:p>
           <a:p>
             <a:pPr lvl="1"/>
             <a:r>
               <a:rPr lang="en-GB" dirty="0"/>
-              <a:t>Selector</a:t>
+              <a:t>Player spotted</a:t>
             </a:r>
           </a:p>
           <a:p>
             <a:pPr lvl="1"/>
             <a:r>
               <a:rPr lang="en-GB" dirty="0"/>
-              <a:t>Sequence</a:t>
+              <a:t>Guard searching</a:t>
             </a:r>
           </a:p>
           <a:p>
             <a:r>
               <a:rPr lang="en-GB" dirty="0"/>
-              <a:t>Decorators:</a:t>
+              <a:t>Secondary behaviours</a:t>
             </a:r>
           </a:p>
           <a:p>
             <a:pPr lvl="1"/>
             <a:r>
-              <a:rPr lang="en-GB" dirty="0" err="1"/>
-              <a:t>Succeeder</a:t>
-            </a:r>
-            <a:endParaRPr lang="en-GB" dirty="0"/>
+              <a:rPr lang="en-GB" dirty="0"/>
+              <a:t>Patrol</a:t>
+            </a:r>
           </a:p>
           <a:p>
             <a:pPr lvl="1"/>
             <a:r>
-              <a:rPr lang="en-GB" dirty="0" err="1"/>
-              <a:t>Failer</a:t>
-            </a:r>
-            <a:endParaRPr lang="en-GB" dirty="0"/>
+              <a:rPr lang="en-GB" dirty="0"/>
+              <a:t>Stationary guard</a:t>
+            </a:r>
           </a:p>
           <a:p>
             <a:pPr lvl="1"/>
             <a:r>
               <a:rPr lang="en-GB" dirty="0"/>
-              <a:t>Repeater</a:t>
+              <a:t>Idle</a:t>
+            </a:r>
+          </a:p>
+          <a:p>
+            <a:r>
+              <a:rPr lang="en-GB" dirty="0"/>
+              <a:t>Tertiary behaviours</a:t>
+            </a:r>
+          </a:p>
+          <a:p>
+            <a:pPr lvl="1"/>
+            <a:r>
+              <a:rPr lang="en-GB" dirty="0"/>
+              <a:t>Specific idle</a:t>
+            </a:r>
+          </a:p>
+          <a:p>
+            <a:pPr lvl="1"/>
+            <a:r>
+              <a:rPr lang="en-GB" dirty="0"/>
+              <a:t>BARK system</a:t>
             </a:r>
           </a:p>
         </p:txBody>
@@ -7948,136 +7990,6 @@
           <a:p>
             <a:r>
               <a:rPr lang="en-GB" dirty="0"/>
-              <a:t>Behaviour tree plan</a:t>
-            </a:r>
-          </a:p>
-        </p:txBody>
-      </p:sp>
-      <p:sp>
-        <p:nvSpPr>
-          <p:cNvPr id="3" name="Content Placeholder 2"/>
-          <p:cNvSpPr>
-            <a:spLocks noGrp="1"/>
-          </p:cNvSpPr>
-          <p:nvPr>
-            <p:ph sz="quarter" idx="1"/>
-          </p:nvPr>
-        </p:nvSpPr>
-        <p:spPr/>
-        <p:txBody>
-          <a:bodyPr/>
-          <a:lstStyle/>
-          <a:p>
-            <a:r>
-              <a:rPr lang="en-GB" dirty="0"/>
-              <a:t>Priority behaviour sections</a:t>
-            </a:r>
-          </a:p>
-          <a:p>
-            <a:pPr lvl="1"/>
-            <a:r>
-              <a:rPr lang="en-GB" dirty="0"/>
-              <a:t>Player spotted</a:t>
-            </a:r>
-          </a:p>
-          <a:p>
-            <a:pPr lvl="1"/>
-            <a:r>
-              <a:rPr lang="en-GB" dirty="0"/>
-              <a:t>Guard searching</a:t>
-            </a:r>
-          </a:p>
-          <a:p>
-            <a:r>
-              <a:rPr lang="en-GB" dirty="0"/>
-              <a:t>Secondary behaviours</a:t>
-            </a:r>
-          </a:p>
-          <a:p>
-            <a:pPr lvl="1"/>
-            <a:r>
-              <a:rPr lang="en-GB" dirty="0"/>
-              <a:t>Patrol</a:t>
-            </a:r>
-          </a:p>
-          <a:p>
-            <a:pPr lvl="1"/>
-            <a:r>
-              <a:rPr lang="en-GB" dirty="0"/>
-              <a:t>Stationary guard</a:t>
-            </a:r>
-          </a:p>
-          <a:p>
-            <a:pPr lvl="1"/>
-            <a:r>
-              <a:rPr lang="en-GB" dirty="0"/>
-              <a:t>Idle</a:t>
-            </a:r>
-          </a:p>
-          <a:p>
-            <a:r>
-              <a:rPr lang="en-GB" dirty="0"/>
-              <a:t>Tertiary behaviours</a:t>
-            </a:r>
-          </a:p>
-          <a:p>
-            <a:pPr lvl="1"/>
-            <a:r>
-              <a:rPr lang="en-GB" dirty="0"/>
-              <a:t>Specific idle</a:t>
-            </a:r>
-          </a:p>
-          <a:p>
-            <a:pPr lvl="1"/>
-            <a:r>
-              <a:rPr lang="en-GB" dirty="0"/>
-              <a:t>BARK system</a:t>
-            </a:r>
-          </a:p>
-        </p:txBody>
-      </p:sp>
-    </p:spTree>
-  </p:cSld>
-  <p:clrMapOvr>
-    <a:masterClrMapping/>
-  </p:clrMapOvr>
-</p:sld>
-</file>
-
-<file path=ppt/slides/slide6.xml><?xml version="1.0" encoding="utf-8"?>
-<p:sld xmlns:a="http://schemas.openxmlformats.org/drawingml/2006/main" xmlns:r="http://schemas.openxmlformats.org/officeDocument/2006/relationships" xmlns:p="http://schemas.openxmlformats.org/presentationml/2006/main">
-  <p:cSld>
-    <p:spTree>
-      <p:nvGrpSpPr>
-        <p:cNvPr id="1" name=""/>
-        <p:cNvGrpSpPr/>
-        <p:nvPr/>
-      </p:nvGrpSpPr>
-      <p:grpSpPr>
-        <a:xfrm>
-          <a:off x="0" y="0"/>
-          <a:ext cx="0" cy="0"/>
-          <a:chOff x="0" y="0"/>
-          <a:chExt cx="0" cy="0"/>
-        </a:xfrm>
-      </p:grpSpPr>
-      <p:sp>
-        <p:nvSpPr>
-          <p:cNvPr id="2" name="Title 1"/>
-          <p:cNvSpPr>
-            <a:spLocks noGrp="1"/>
-          </p:cNvSpPr>
-          <p:nvPr>
-            <p:ph type="title"/>
-          </p:nvPr>
-        </p:nvSpPr>
-        <p:spPr/>
-        <p:txBody>
-          <a:bodyPr/>
-          <a:lstStyle/>
-          <a:p>
-            <a:r>
-              <a:rPr lang="en-GB" dirty="0"/>
               <a:t>Player Spotted Sub-tree</a:t>
             </a:r>
           </a:p>
@@ -8121,7 +8033,7 @@
 </p:sld>
 </file>
 
-<file path=ppt/slides/slide7.xml><?xml version="1.0" encoding="utf-8"?>
+<file path=ppt/slides/slide6.xml><?xml version="1.0" encoding="utf-8"?>
 <p:sld xmlns:a="http://schemas.openxmlformats.org/drawingml/2006/main" xmlns:r="http://schemas.openxmlformats.org/officeDocument/2006/relationships" xmlns:p="http://schemas.openxmlformats.org/presentationml/2006/main">
   <p:cSld>
     <p:spTree>
@@ -8153,7 +8065,7 @@
           <p:nvPr/>
         </p:nvPicPr>
         <p:blipFill>
-          <a:blip r:embed="rId2"/>
+          <a:blip r:embed="rId3"/>
           <a:stretch>
             <a:fillRect/>
           </a:stretch>
@@ -8202,6 +8114,117 @@
         <p14:creationId xmlns:p14="http://schemas.microsoft.com/office/powerpoint/2010/main" val="2748276514"/>
       </p:ext>
     </p:extLst>
+  </p:cSld>
+  <p:clrMapOvr>
+    <a:masterClrMapping/>
+  </p:clrMapOvr>
+</p:sld>
+</file>
+
+<file path=ppt/slides/slide7.xml><?xml version="1.0" encoding="utf-8"?>
+<p:sld xmlns:a="http://schemas.openxmlformats.org/drawingml/2006/main" xmlns:r="http://schemas.openxmlformats.org/officeDocument/2006/relationships" xmlns:p="http://schemas.openxmlformats.org/presentationml/2006/main">
+  <p:cSld>
+    <p:spTree>
+      <p:nvGrpSpPr>
+        <p:cNvPr id="1" name=""/>
+        <p:cNvGrpSpPr/>
+        <p:nvPr/>
+      </p:nvGrpSpPr>
+      <p:grpSpPr>
+        <a:xfrm>
+          <a:off x="0" y="0"/>
+          <a:ext cx="0" cy="0"/>
+          <a:chOff x="0" y="0"/>
+          <a:chExt cx="0" cy="0"/>
+        </a:xfrm>
+      </p:grpSpPr>
+      <p:sp>
+        <p:nvSpPr>
+          <p:cNvPr id="2" name="Title 1"/>
+          <p:cNvSpPr>
+            <a:spLocks noGrp="1"/>
+          </p:cNvSpPr>
+          <p:nvPr>
+            <p:ph type="title"/>
+          </p:nvPr>
+        </p:nvSpPr>
+        <p:spPr/>
+        <p:txBody>
+          <a:bodyPr/>
+          <a:lstStyle/>
+          <a:p>
+            <a:r>
+              <a:rPr lang="en-GB" dirty="0"/>
+              <a:t>Schedule changes </a:t>
+            </a:r>
+            <a:r>
+              <a:rPr lang="en-GB"/>
+              <a:t>and reasoning</a:t>
+            </a:r>
+          </a:p>
+        </p:txBody>
+      </p:sp>
+      <p:pic>
+        <p:nvPicPr>
+          <p:cNvPr id="4" name="Picture 3">
+            <a:extLst>
+              <a:ext uri="{FF2B5EF4-FFF2-40B4-BE49-F238E27FC236}">
+                <a16:creationId xmlns:a16="http://schemas.microsoft.com/office/drawing/2014/main" id="{3C41F3AE-2D97-4051-BD56-64A899E7F50F}"/>
+              </a:ext>
+            </a:extLst>
+          </p:cNvPr>
+          <p:cNvPicPr>
+            <a:picLocks noChangeAspect="1"/>
+          </p:cNvPicPr>
+          <p:nvPr/>
+        </p:nvPicPr>
+        <p:blipFill>
+          <a:blip r:embed="rId3"/>
+          <a:stretch>
+            <a:fillRect/>
+          </a:stretch>
+        </p:blipFill>
+        <p:spPr>
+          <a:xfrm>
+            <a:off x="511885" y="1988840"/>
+            <a:ext cx="4011011" cy="4242174"/>
+          </a:xfrm>
+          <a:prstGeom prst="rect">
+            <a:avLst/>
+          </a:prstGeom>
+        </p:spPr>
+      </p:pic>
+      <p:pic>
+        <p:nvPicPr>
+          <p:cNvPr id="3" name="Picture 2">
+            <a:extLst>
+              <a:ext uri="{FF2B5EF4-FFF2-40B4-BE49-F238E27FC236}">
+                <a16:creationId xmlns:a16="http://schemas.microsoft.com/office/drawing/2014/main" id="{A09A161C-EE69-4AEF-9B2B-D1F7DADDC457}"/>
+              </a:ext>
+            </a:extLst>
+          </p:cNvPr>
+          <p:cNvPicPr>
+            <a:picLocks noChangeAspect="1"/>
+          </p:cNvPicPr>
+          <p:nvPr/>
+        </p:nvPicPr>
+        <p:blipFill>
+          <a:blip r:embed="rId4"/>
+          <a:stretch>
+            <a:fillRect/>
+          </a:stretch>
+        </p:blipFill>
+        <p:spPr>
+          <a:xfrm>
+            <a:off x="4621106" y="1988840"/>
+            <a:ext cx="4059376" cy="4242174"/>
+          </a:xfrm>
+          <a:prstGeom prst="rect">
+            <a:avLst/>
+          </a:prstGeom>
+        </p:spPr>
+      </p:pic>
+    </p:spTree>
   </p:cSld>
   <p:clrMapOvr>
     <a:masterClrMapping/>
@@ -8228,7 +8251,13 @@
       </p:grpSpPr>
       <p:sp>
         <p:nvSpPr>
-          <p:cNvPr id="2" name="Title 1"/>
+          <p:cNvPr id="2" name="Title 1">
+            <a:extLst>
+              <a:ext uri="{FF2B5EF4-FFF2-40B4-BE49-F238E27FC236}">
+                <a16:creationId xmlns:a16="http://schemas.microsoft.com/office/drawing/2014/main" id="{AD63DFB7-816C-4733-80FA-EBA36D174BDD}"/>
+              </a:ext>
+            </a:extLst>
+          </p:cNvPr>
           <p:cNvSpPr>
             <a:spLocks noGrp="1"/>
           </p:cNvSpPr>
@@ -8243,76 +8272,94 @@
           <a:p>
             <a:r>
               <a:rPr lang="en-GB" dirty="0"/>
-              <a:t>Schedule changes </a:t>
-            </a:r>
-            <a:r>
-              <a:rPr lang="en-GB"/>
-              <a:t>and reasoning</a:t>
-            </a:r>
+              <a:t>The Last Two Weeks</a:t>
+            </a:r>
+          </a:p>
+        </p:txBody>
+      </p:sp>
+      <p:sp>
+        <p:nvSpPr>
+          <p:cNvPr id="3" name="Content Placeholder 2">
+            <a:extLst>
+              <a:ext uri="{FF2B5EF4-FFF2-40B4-BE49-F238E27FC236}">
+                <a16:creationId xmlns:a16="http://schemas.microsoft.com/office/drawing/2014/main" id="{72894C6B-E06C-4933-938C-6EE5AA2E36C8}"/>
+              </a:ext>
+            </a:extLst>
+          </p:cNvPr>
+          <p:cNvSpPr>
+            <a:spLocks noGrp="1"/>
+          </p:cNvSpPr>
+          <p:nvPr>
+            <p:ph sz="quarter" idx="1"/>
+          </p:nvPr>
+        </p:nvSpPr>
+        <p:spPr>
+          <a:xfrm>
+            <a:off x="1417368" y="2320241"/>
+            <a:ext cx="6560656" cy="3527234"/>
+          </a:xfrm>
+        </p:spPr>
+        <p:txBody>
+          <a:bodyPr/>
+          <a:lstStyle/>
+          <a:p>
+            <a:endParaRPr lang="en-GB" dirty="0"/>
           </a:p>
         </p:txBody>
       </p:sp>
       <p:pic>
         <p:nvPicPr>
-          <p:cNvPr id="4" name="Picture 3">
+          <p:cNvPr id="1026" name="Picture 2" descr="https://1.bp.blogspot.com/-3oM4G3-Pmak/WqavkRkrhAI/AAAAAAAAAPU/1QDLbHoeMKk9tsmF15QNcCs1ZJz7Q_gYwCK4BGAYYCw/s1600/UnityLevelNavmeshWithZones.JPG">
             <a:extLst>
               <a:ext uri="{FF2B5EF4-FFF2-40B4-BE49-F238E27FC236}">
-                <a16:creationId xmlns:a16="http://schemas.microsoft.com/office/drawing/2014/main" id="{3C41F3AE-2D97-4051-BD56-64A899E7F50F}"/>
+                <a16:creationId xmlns:a16="http://schemas.microsoft.com/office/drawing/2014/main" id="{B546E008-8B49-4DB0-BC38-96CC45733659}"/>
               </a:ext>
             </a:extLst>
           </p:cNvPr>
           <p:cNvPicPr>
-            <a:picLocks noChangeAspect="1"/>
+            <a:picLocks noChangeAspect="1" noChangeArrowheads="1"/>
           </p:cNvPicPr>
           <p:nvPr/>
         </p:nvPicPr>
         <p:blipFill>
-          <a:blip r:embed="rId3"/>
+          <a:blip r:embed="rId3">
+            <a:extLst>
+              <a:ext uri="{28A0092B-C50C-407E-A947-70E740481C1C}">
+                <a14:useLocalDpi xmlns:a14="http://schemas.microsoft.com/office/drawing/2010/main" val="0"/>
+              </a:ext>
+            </a:extLst>
+          </a:blip>
+          <a:srcRect/>
           <a:stretch>
             <a:fillRect/>
           </a:stretch>
         </p:blipFill>
-        <p:spPr>
-          <a:xfrm>
-            <a:off x="511885" y="1988840"/>
-            <a:ext cx="4011011" cy="4242174"/>
+        <p:spPr bwMode="auto">
+          <a:xfrm>
+            <a:off x="1115616" y="1844824"/>
+            <a:ext cx="7054469" cy="3786878"/>
           </a:xfrm>
           <a:prstGeom prst="rect">
             <a:avLst/>
           </a:prstGeom>
-        </p:spPr>
-      </p:pic>
-      <p:pic>
-        <p:nvPicPr>
-          <p:cNvPr id="5" name="Picture 4">
-            <a:extLst>
-              <a:ext uri="{FF2B5EF4-FFF2-40B4-BE49-F238E27FC236}">
-                <a16:creationId xmlns:a16="http://schemas.microsoft.com/office/drawing/2014/main" id="{E641E79D-DB11-405A-ABFE-4BBDDBE91D67}"/>
-              </a:ext>
-            </a:extLst>
-          </p:cNvPr>
-          <p:cNvPicPr>
-            <a:picLocks noChangeAspect="1"/>
-          </p:cNvPicPr>
-          <p:nvPr/>
-        </p:nvPicPr>
-        <p:blipFill>
-          <a:blip r:embed="rId4"/>
-          <a:stretch>
-            <a:fillRect/>
-          </a:stretch>
-        </p:blipFill>
-        <p:spPr>
-          <a:xfrm>
-            <a:off x="4621106" y="1988839"/>
-            <a:ext cx="4083885" cy="4242175"/>
-          </a:xfrm>
-          <a:prstGeom prst="rect">
-            <a:avLst/>
-          </a:prstGeom>
+          <a:noFill/>
+          <a:extLst>
+            <a:ext uri="{909E8E84-426E-40DD-AFC4-6F175D3DCCD1}">
+              <a14:hiddenFill xmlns:a14="http://schemas.microsoft.com/office/drawing/2010/main">
+                <a:solidFill>
+                  <a:srgbClr val="FFFFFF"/>
+                </a:solidFill>
+              </a14:hiddenFill>
+            </a:ext>
+          </a:extLst>
         </p:spPr>
       </p:pic>
     </p:spTree>
+    <p:extLst>
+      <p:ext uri="{BB962C8B-B14F-4D97-AF65-F5344CB8AC3E}">
+        <p14:creationId xmlns:p14="http://schemas.microsoft.com/office/powerpoint/2010/main" val="740942052"/>
+      </p:ext>
+    </p:extLst>
   </p:cSld>
   <p:clrMapOvr>
     <a:masterClrMapping/>
@@ -8361,30 +8408,27 @@
       </p:sp>
       <p:pic>
         <p:nvPicPr>
-          <p:cNvPr id="4" name="Content Placeholder 3">
+          <p:cNvPr id="3" name="Picture 2">
             <a:extLst>
               <a:ext uri="{FF2B5EF4-FFF2-40B4-BE49-F238E27FC236}">
-                <a16:creationId xmlns:a16="http://schemas.microsoft.com/office/drawing/2014/main" id="{B330126C-08BB-4818-B74E-45EEB859DBD1}"/>
+                <a16:creationId xmlns:a16="http://schemas.microsoft.com/office/drawing/2014/main" id="{7219AA0A-7BC3-48C6-8510-08CA4F98A9AE}"/>
               </a:ext>
             </a:extLst>
           </p:cNvPr>
           <p:cNvPicPr>
-            <a:picLocks noGrp="1" noChangeAspect="1"/>
+            <a:picLocks noChangeAspect="1"/>
           </p:cNvPicPr>
-          <p:nvPr>
-            <p:ph sz="quarter" idx="1"/>
-          </p:nvPr>
+          <p:nvPr/>
         </p:nvPicPr>
-        <p:blipFill>
+        <p:blipFill rotWithShape="1">
           <a:blip r:embed="rId2"/>
-          <a:stretch>
-            <a:fillRect/>
-          </a:stretch>
+          <a:srcRect t="72290"/>
+          <a:stretch/>
         </p:blipFill>
         <p:spPr>
           <a:xfrm>
-            <a:off x="1481931" y="2941637"/>
-            <a:ext cx="6143625" cy="1743075"/>
+            <a:off x="427405" y="2564904"/>
+            <a:ext cx="8289189" cy="2400358"/>
           </a:xfrm>
           <a:prstGeom prst="rect">
             <a:avLst/>
